--- a/EddyCurrent/TEAM Problem 7.pptx
+++ b/EddyCurrent/TEAM Problem 7.pptx
@@ -7,10 +7,11 @@
   <p:sldIdLst>
     <p:sldId id="258" r:id="rId2"/>
     <p:sldId id="259" r:id="rId3"/>
-    <p:sldId id="257" r:id="rId4"/>
-    <p:sldId id="256" r:id="rId5"/>
-    <p:sldId id="260" r:id="rId6"/>
-    <p:sldId id="261" r:id="rId7"/>
+    <p:sldId id="262" r:id="rId4"/>
+    <p:sldId id="257" r:id="rId5"/>
+    <p:sldId id="263" r:id="rId6"/>
+    <p:sldId id="260" r:id="rId7"/>
+    <p:sldId id="264" r:id="rId8"/>
   </p:sldIdLst>
   <p:sldSz cx="9144000" cy="6858000" type="screen4x3"/>
   <p:notesSz cx="6858000" cy="9144000"/>
@@ -293,7 +294,8 @@
           <a:p>
             <a:fld id="{9F9D4BF6-A59A-4044-AA0F-A9191A5F9CBD}" type="datetimeFigureOut">
               <a:rPr kumimoji="1" lang="ja-JP" altLang="en-US" smtClean="0"/>
-              <a:t>2025/9/19</a:t>
+              <a:pPr/>
+              <a:t>2025/9/24</a:t>
             </a:fld>
             <a:endParaRPr kumimoji="1" lang="ja-JP" altLang="en-US"/>
           </a:p>
@@ -335,6 +337,7 @@
           <a:p>
             <a:fld id="{18790F6B-7A92-46DF-A2DA-433E90B1E6A1}" type="slidenum">
               <a:rPr kumimoji="1" lang="ja-JP" altLang="en-US" smtClean="0"/>
+              <a:pPr/>
               <a:t>&lt;#&gt;</a:t>
             </a:fld>
             <a:endParaRPr kumimoji="1" lang="ja-JP" altLang="en-US"/>
@@ -490,7 +493,8 @@
           <a:p>
             <a:fld id="{9F9D4BF6-A59A-4044-AA0F-A9191A5F9CBD}" type="datetimeFigureOut">
               <a:rPr kumimoji="1" lang="ja-JP" altLang="en-US" smtClean="0"/>
-              <a:t>2025/9/19</a:t>
+              <a:pPr/>
+              <a:t>2025/9/24</a:t>
             </a:fld>
             <a:endParaRPr kumimoji="1" lang="ja-JP" altLang="en-US"/>
           </a:p>
@@ -532,6 +536,7 @@
           <a:p>
             <a:fld id="{18790F6B-7A92-46DF-A2DA-433E90B1E6A1}" type="slidenum">
               <a:rPr kumimoji="1" lang="ja-JP" altLang="en-US" smtClean="0"/>
+              <a:pPr/>
               <a:t>&lt;#&gt;</a:t>
             </a:fld>
             <a:endParaRPr kumimoji="1" lang="ja-JP" altLang="en-US"/>
@@ -697,7 +702,8 @@
           <a:p>
             <a:fld id="{9F9D4BF6-A59A-4044-AA0F-A9191A5F9CBD}" type="datetimeFigureOut">
               <a:rPr kumimoji="1" lang="ja-JP" altLang="en-US" smtClean="0"/>
-              <a:t>2025/9/19</a:t>
+              <a:pPr/>
+              <a:t>2025/9/24</a:t>
             </a:fld>
             <a:endParaRPr kumimoji="1" lang="ja-JP" altLang="en-US"/>
           </a:p>
@@ -739,6 +745,7 @@
           <a:p>
             <a:fld id="{18790F6B-7A92-46DF-A2DA-433E90B1E6A1}" type="slidenum">
               <a:rPr kumimoji="1" lang="ja-JP" altLang="en-US" smtClean="0"/>
+              <a:pPr/>
               <a:t>&lt;#&gt;</a:t>
             </a:fld>
             <a:endParaRPr kumimoji="1" lang="ja-JP" altLang="en-US"/>
@@ -894,7 +901,8 @@
           <a:p>
             <a:fld id="{9F9D4BF6-A59A-4044-AA0F-A9191A5F9CBD}" type="datetimeFigureOut">
               <a:rPr kumimoji="1" lang="ja-JP" altLang="en-US" smtClean="0"/>
-              <a:t>2025/9/19</a:t>
+              <a:pPr/>
+              <a:t>2025/9/24</a:t>
             </a:fld>
             <a:endParaRPr kumimoji="1" lang="ja-JP" altLang="en-US"/>
           </a:p>
@@ -936,6 +944,7 @@
           <a:p>
             <a:fld id="{18790F6B-7A92-46DF-A2DA-433E90B1E6A1}" type="slidenum">
               <a:rPr kumimoji="1" lang="ja-JP" altLang="en-US" smtClean="0"/>
+              <a:pPr/>
               <a:t>&lt;#&gt;</a:t>
             </a:fld>
             <a:endParaRPr kumimoji="1" lang="ja-JP" altLang="en-US"/>
@@ -1135,7 +1144,8 @@
           <a:p>
             <a:fld id="{9F9D4BF6-A59A-4044-AA0F-A9191A5F9CBD}" type="datetimeFigureOut">
               <a:rPr kumimoji="1" lang="ja-JP" altLang="en-US" smtClean="0"/>
-              <a:t>2025/9/19</a:t>
+              <a:pPr/>
+              <a:t>2025/9/24</a:t>
             </a:fld>
             <a:endParaRPr kumimoji="1" lang="ja-JP" altLang="en-US"/>
           </a:p>
@@ -1177,6 +1187,7 @@
           <a:p>
             <a:fld id="{18790F6B-7A92-46DF-A2DA-433E90B1E6A1}" type="slidenum">
               <a:rPr kumimoji="1" lang="ja-JP" altLang="en-US" smtClean="0"/>
+              <a:pPr/>
               <a:t>&lt;#&gt;</a:t>
             </a:fld>
             <a:endParaRPr kumimoji="1" lang="ja-JP" altLang="en-US"/>
@@ -1482,7 +1493,8 @@
           <a:p>
             <a:fld id="{9F9D4BF6-A59A-4044-AA0F-A9191A5F9CBD}" type="datetimeFigureOut">
               <a:rPr kumimoji="1" lang="ja-JP" altLang="en-US" smtClean="0"/>
-              <a:t>2025/9/19</a:t>
+              <a:pPr/>
+              <a:t>2025/9/24</a:t>
             </a:fld>
             <a:endParaRPr kumimoji="1" lang="ja-JP" altLang="en-US"/>
           </a:p>
@@ -1524,6 +1536,7 @@
           <a:p>
             <a:fld id="{18790F6B-7A92-46DF-A2DA-433E90B1E6A1}" type="slidenum">
               <a:rPr kumimoji="1" lang="ja-JP" altLang="en-US" smtClean="0"/>
+              <a:pPr/>
               <a:t>&lt;#&gt;</a:t>
             </a:fld>
             <a:endParaRPr kumimoji="1" lang="ja-JP" altLang="en-US"/>
@@ -1963,7 +1976,8 @@
           <a:p>
             <a:fld id="{9F9D4BF6-A59A-4044-AA0F-A9191A5F9CBD}" type="datetimeFigureOut">
               <a:rPr kumimoji="1" lang="ja-JP" altLang="en-US" smtClean="0"/>
-              <a:t>2025/9/19</a:t>
+              <a:pPr/>
+              <a:t>2025/9/24</a:t>
             </a:fld>
             <a:endParaRPr kumimoji="1" lang="ja-JP" altLang="en-US"/>
           </a:p>
@@ -2005,6 +2019,7 @@
           <a:p>
             <a:fld id="{18790F6B-7A92-46DF-A2DA-433E90B1E6A1}" type="slidenum">
               <a:rPr kumimoji="1" lang="ja-JP" altLang="en-US" smtClean="0"/>
+              <a:pPr/>
               <a:t>&lt;#&gt;</a:t>
             </a:fld>
             <a:endParaRPr kumimoji="1" lang="ja-JP" altLang="en-US"/>
@@ -2076,7 +2091,8 @@
           <a:p>
             <a:fld id="{9F9D4BF6-A59A-4044-AA0F-A9191A5F9CBD}" type="datetimeFigureOut">
               <a:rPr kumimoji="1" lang="ja-JP" altLang="en-US" smtClean="0"/>
-              <a:t>2025/9/19</a:t>
+              <a:pPr/>
+              <a:t>2025/9/24</a:t>
             </a:fld>
             <a:endParaRPr kumimoji="1" lang="ja-JP" altLang="en-US"/>
           </a:p>
@@ -2118,6 +2134,7 @@
           <a:p>
             <a:fld id="{18790F6B-7A92-46DF-A2DA-433E90B1E6A1}" type="slidenum">
               <a:rPr kumimoji="1" lang="ja-JP" altLang="en-US" smtClean="0"/>
+              <a:pPr/>
               <a:t>&lt;#&gt;</a:t>
             </a:fld>
             <a:endParaRPr kumimoji="1" lang="ja-JP" altLang="en-US"/>
@@ -2166,7 +2183,8 @@
           <a:p>
             <a:fld id="{9F9D4BF6-A59A-4044-AA0F-A9191A5F9CBD}" type="datetimeFigureOut">
               <a:rPr kumimoji="1" lang="ja-JP" altLang="en-US" smtClean="0"/>
-              <a:t>2025/9/19</a:t>
+              <a:pPr/>
+              <a:t>2025/9/24</a:t>
             </a:fld>
             <a:endParaRPr kumimoji="1" lang="ja-JP" altLang="en-US"/>
           </a:p>
@@ -2208,6 +2226,7 @@
           <a:p>
             <a:fld id="{18790F6B-7A92-46DF-A2DA-433E90B1E6A1}" type="slidenum">
               <a:rPr kumimoji="1" lang="ja-JP" altLang="en-US" smtClean="0"/>
+              <a:pPr/>
               <a:t>&lt;#&gt;</a:t>
             </a:fld>
             <a:endParaRPr kumimoji="1" lang="ja-JP" altLang="en-US"/>
@@ -2470,7 +2489,8 @@
           <a:p>
             <a:fld id="{9F9D4BF6-A59A-4044-AA0F-A9191A5F9CBD}" type="datetimeFigureOut">
               <a:rPr kumimoji="1" lang="ja-JP" altLang="en-US" smtClean="0"/>
-              <a:t>2025/9/19</a:t>
+              <a:pPr/>
+              <a:t>2025/9/24</a:t>
             </a:fld>
             <a:endParaRPr kumimoji="1" lang="ja-JP" altLang="en-US"/>
           </a:p>
@@ -2512,6 +2532,7 @@
           <a:p>
             <a:fld id="{18790F6B-7A92-46DF-A2DA-433E90B1E6A1}" type="slidenum">
               <a:rPr kumimoji="1" lang="ja-JP" altLang="en-US" smtClean="0"/>
+              <a:pPr/>
               <a:t>&lt;#&gt;</a:t>
             </a:fld>
             <a:endParaRPr kumimoji="1" lang="ja-JP" altLang="en-US"/>
@@ -2718,7 +2739,8 @@
           <a:p>
             <a:fld id="{9F9D4BF6-A59A-4044-AA0F-A9191A5F9CBD}" type="datetimeFigureOut">
               <a:rPr kumimoji="1" lang="ja-JP" altLang="en-US" smtClean="0"/>
-              <a:t>2025/9/19</a:t>
+              <a:pPr/>
+              <a:t>2025/9/24</a:t>
             </a:fld>
             <a:endParaRPr kumimoji="1" lang="ja-JP" altLang="en-US"/>
           </a:p>
@@ -2760,6 +2782,7 @@
           <a:p>
             <a:fld id="{18790F6B-7A92-46DF-A2DA-433E90B1E6A1}" type="slidenum">
               <a:rPr kumimoji="1" lang="ja-JP" altLang="en-US" smtClean="0"/>
+              <a:pPr/>
               <a:t>&lt;#&gt;</a:t>
             </a:fld>
             <a:endParaRPr kumimoji="1" lang="ja-JP" altLang="en-US"/>
@@ -2958,7 +2981,8 @@
           <a:p>
             <a:fld id="{9F9D4BF6-A59A-4044-AA0F-A9191A5F9CBD}" type="datetimeFigureOut">
               <a:rPr kumimoji="1" lang="ja-JP" altLang="en-US" smtClean="0"/>
-              <a:t>2025/9/19</a:t>
+              <a:pPr/>
+              <a:t>2025/9/24</a:t>
             </a:fld>
             <a:endParaRPr kumimoji="1" lang="ja-JP" altLang="en-US"/>
           </a:p>
@@ -3036,6 +3060,7 @@
           <a:p>
             <a:fld id="{18790F6B-7A92-46DF-A2DA-433E90B1E6A1}" type="slidenum">
               <a:rPr kumimoji="1" lang="ja-JP" altLang="en-US" smtClean="0"/>
+              <a:pPr/>
               <a:t>&lt;#&gt;</a:t>
             </a:fld>
             <a:endParaRPr kumimoji="1" lang="ja-JP" altLang="en-US"/>
@@ -3368,7 +3393,7 @@
         </p:blipFill>
         <p:spPr bwMode="auto">
           <a:xfrm>
-            <a:off x="2699792" y="1556792"/>
+            <a:off x="611560" y="1196752"/>
             <a:ext cx="4154438" cy="4177433"/>
           </a:xfrm>
           <a:prstGeom prst="rect">
@@ -3384,6 +3409,72 @@
           <a:effectLst/>
         </p:spPr>
       </p:pic>
+      <p:pic>
+        <p:nvPicPr>
+          <p:cNvPr id="11266" name="Picture 2"/>
+          <p:cNvPicPr>
+            <a:picLocks noChangeAspect="1" noChangeArrowheads="1"/>
+          </p:cNvPicPr>
+          <p:nvPr/>
+        </p:nvPicPr>
+        <p:blipFill>
+          <a:blip r:embed="rId3" cstate="print"/>
+          <a:srcRect/>
+          <a:stretch>
+            <a:fillRect/>
+          </a:stretch>
+        </p:blipFill>
+        <p:spPr bwMode="auto">
+          <a:xfrm>
+            <a:off x="4748788" y="2924945"/>
+            <a:ext cx="4164132" cy="2304256"/>
+          </a:xfrm>
+          <a:prstGeom prst="rect">
+            <a:avLst/>
+          </a:prstGeom>
+          <a:noFill/>
+          <a:ln w="9525">
+            <a:noFill/>
+            <a:miter lim="800000"/>
+            <a:headEnd/>
+            <a:tailEnd/>
+          </a:ln>
+          <a:effectLst/>
+        </p:spPr>
+      </p:pic>
+      <p:cxnSp>
+        <p:nvCxnSpPr>
+          <p:cNvPr id="9" name="直線矢印コネクタ 8"/>
+          <p:cNvCxnSpPr/>
+          <p:nvPr/>
+        </p:nvCxnSpPr>
+        <p:spPr>
+          <a:xfrm flipV="1">
+            <a:off x="2339752" y="5733256"/>
+            <a:ext cx="1728192" cy="360040"/>
+          </a:xfrm>
+          <a:prstGeom prst="straightConnector1">
+            <a:avLst/>
+          </a:prstGeom>
+          <a:ln>
+            <a:tailEnd type="arrow"/>
+          </a:ln>
+        </p:spPr>
+        <p:style>
+          <a:lnRef idx="1">
+            <a:schemeClr val="accent1"/>
+          </a:lnRef>
+          <a:fillRef idx="0">
+            <a:schemeClr val="accent1"/>
+          </a:fillRef>
+          <a:effectRef idx="0">
+            <a:schemeClr val="accent1"/>
+          </a:effectRef>
+          <a:fontRef idx="minor">
+            <a:schemeClr val="tx1"/>
+          </a:fontRef>
+        </p:style>
+      </p:cxnSp>
     </p:spTree>
   </p:cSld>
   <p:clrMapOvr>
@@ -3517,6 +3608,89 @@
 </file>
 
 <file path=ppt/slides/slide3.xml><?xml version="1.0" encoding="utf-8"?>
+<p:sld xmlns:a="http://schemas.openxmlformats.org/drawingml/2006/main" xmlns:r="http://schemas.openxmlformats.org/officeDocument/2006/relationships" xmlns:p="http://schemas.openxmlformats.org/presentationml/2006/main">
+  <p:cSld>
+    <p:spTree>
+      <p:nvGrpSpPr>
+        <p:cNvPr id="1" name=""/>
+        <p:cNvGrpSpPr/>
+        <p:nvPr/>
+      </p:nvGrpSpPr>
+      <p:grpSpPr>
+        <a:xfrm>
+          <a:off x="0" y="0"/>
+          <a:ext cx="0" cy="0"/>
+          <a:chOff x="0" y="0"/>
+          <a:chExt cx="0" cy="0"/>
+        </a:xfrm>
+      </p:grpSpPr>
+      <p:sp>
+        <p:nvSpPr>
+          <p:cNvPr id="2" name="タイトル 1"/>
+          <p:cNvSpPr>
+            <a:spLocks noGrp="1"/>
+          </p:cNvSpPr>
+          <p:nvPr>
+            <p:ph type="title"/>
+          </p:nvPr>
+        </p:nvSpPr>
+        <p:spPr/>
+        <p:txBody>
+          <a:bodyPr/>
+          <a:lstStyle/>
+          <a:p>
+            <a:r>
+              <a:rPr kumimoji="1" lang="en-US" altLang="ja-JP" dirty="0" smtClean="0"/>
+              <a:t>Mesh refinement</a:t>
+            </a:r>
+            <a:endParaRPr kumimoji="1" lang="ja-JP" altLang="en-US" dirty="0"/>
+          </a:p>
+        </p:txBody>
+      </p:sp>
+      <p:pic>
+        <p:nvPicPr>
+          <p:cNvPr id="24579" name="Picture 3"/>
+          <p:cNvPicPr>
+            <a:picLocks noGrp="1" noChangeAspect="1" noChangeArrowheads="1"/>
+          </p:cNvPicPr>
+          <p:nvPr>
+            <p:ph idx="1"/>
+          </p:nvPr>
+        </p:nvPicPr>
+        <p:blipFill>
+          <a:blip r:embed="rId2" cstate="print"/>
+          <a:srcRect/>
+          <a:stretch>
+            <a:fillRect/>
+          </a:stretch>
+        </p:blipFill>
+        <p:spPr bwMode="auto">
+          <a:xfrm>
+            <a:off x="1043608" y="1556792"/>
+            <a:ext cx="6821692" cy="4104456"/>
+          </a:xfrm>
+          <a:prstGeom prst="rect">
+            <a:avLst/>
+          </a:prstGeom>
+          <a:noFill/>
+          <a:ln w="9525">
+            <a:noFill/>
+            <a:miter lim="800000"/>
+            <a:headEnd/>
+            <a:tailEnd/>
+          </a:ln>
+          <a:effectLst/>
+        </p:spPr>
+      </p:pic>
+    </p:spTree>
+  </p:cSld>
+  <p:clrMapOvr>
+    <a:masterClrMapping/>
+  </p:clrMapOvr>
+</p:sld>
+</file>
+
+<file path=ppt/slides/slide4.xml><?xml version="1.0" encoding="utf-8"?>
 <p:sld xmlns:a="http://schemas.openxmlformats.org/drawingml/2006/main" xmlns:r="http://schemas.openxmlformats.org/officeDocument/2006/relationships" xmlns:p="http://schemas.openxmlformats.org/presentationml/2006/main">
   <p:cSld>
     <p:spTree>
@@ -3566,39 +3740,6 @@
           <a:effectLst/>
         </p:spPr>
       </p:pic>
-      <p:pic>
-        <p:nvPicPr>
-          <p:cNvPr id="4103" name="Picture 7"/>
-          <p:cNvPicPr>
-            <a:picLocks noChangeAspect="1" noChangeArrowheads="1"/>
-          </p:cNvPicPr>
-          <p:nvPr/>
-        </p:nvPicPr>
-        <p:blipFill>
-          <a:blip r:embed="rId3" cstate="print"/>
-          <a:srcRect/>
-          <a:stretch>
-            <a:fillRect/>
-          </a:stretch>
-        </p:blipFill>
-        <p:spPr bwMode="auto">
-          <a:xfrm>
-            <a:off x="2339752" y="3284984"/>
-            <a:ext cx="6012259" cy="3005464"/>
-          </a:xfrm>
-          <a:prstGeom prst="rect">
-            <a:avLst/>
-          </a:prstGeom>
-          <a:noFill/>
-          <a:ln w="9525">
-            <a:noFill/>
-            <a:miter lim="800000"/>
-            <a:headEnd/>
-            <a:tailEnd/>
-          </a:ln>
-          <a:effectLst/>
-        </p:spPr>
-      </p:pic>
       <p:sp>
         <p:nvSpPr>
           <p:cNvPr id="11" name="Rectangle 3"/>
@@ -3650,21 +3791,6 @@
               <a:tabLst/>
             </a:pPr>
             <a:r>
-              <a:rPr kumimoji="1" lang="en-US" altLang="ja-JP" sz="1400" b="0" i="0" u="none" strike="noStrike" cap="none" normalizeH="0" baseline="0" dirty="0" smtClean="0">
-                <a:ln>
-                  <a:noFill/>
-                </a:ln>
-                <a:solidFill>
-                  <a:schemeClr val="tx1"/>
-                </a:solidFill>
-                <a:effectLst/>
-                <a:latin typeface="Arial Unicode MS" pitchFamily="50" charset="-128"/>
-                <a:ea typeface="ＭＳ Ｐゴシック" pitchFamily="50" charset="-128"/>
-                <a:cs typeface="ＭＳ Ｐゴシック" pitchFamily="50" charset="-128"/>
-              </a:rPr>
-              <a:t>0   </a:t>
-            </a:r>
-            <a:r>
               <a:rPr kumimoji="1" lang="ja-JP" altLang="ja-JP" sz="1400" b="0" i="0" u="none" strike="noStrike" cap="none" normalizeH="0" baseline="0" dirty="0" smtClean="0">
                 <a:ln>
                   <a:noFill/>
@@ -3760,21 +3886,6 @@
               <a:tabLst/>
             </a:pPr>
             <a:r>
-              <a:rPr kumimoji="1" lang="en-US" altLang="ja-JP" sz="1400" b="0" i="0" u="none" strike="noStrike" cap="none" normalizeH="0" baseline="0" dirty="0" smtClean="0">
-                <a:ln>
-                  <a:noFill/>
-                </a:ln>
-                <a:solidFill>
-                  <a:schemeClr val="tx1"/>
-                </a:solidFill>
-                <a:effectLst/>
-                <a:latin typeface="Arial Unicode MS" pitchFamily="50" charset="-128"/>
-                <a:ea typeface="ＭＳ Ｐゴシック" pitchFamily="50" charset="-128"/>
-                <a:cs typeface="ＭＳ Ｐゴシック" pitchFamily="50" charset="-128"/>
-              </a:rPr>
-              <a:t>7  </a:t>
-            </a:r>
-            <a:r>
               <a:rPr kumimoji="1" lang="ja-JP" altLang="ja-JP" sz="1400" b="0" i="0" u="none" strike="noStrike" cap="none" normalizeH="0" baseline="0" dirty="0" smtClean="0">
                 <a:ln>
                   <a:noFill/>
@@ -3787,7 +3898,30 @@
                 <a:ea typeface="ＭＳ Ｐゴシック" pitchFamily="50" charset="-128"/>
                 <a:cs typeface="ＭＳ Ｐゴシック" pitchFamily="50" charset="-128"/>
               </a:rPr>
-              <a:t>ne= 89744 </a:t>
+              <a:t>ne= </a:t>
+            </a:r>
+            <a:r>
+              <a:rPr lang="en-US" altLang="ja-JP" sz="1400" dirty="0" smtClean="0">
+                <a:latin typeface="Arial Unicode MS" pitchFamily="50" charset="-128"/>
+                <a:ea typeface="ＭＳ Ｐゴシック" pitchFamily="50" charset="-128"/>
+                <a:cs typeface="ＭＳ Ｐゴシック" pitchFamily="50" charset="-128"/>
+              </a:rPr>
+              <a:t>39968</a:t>
+            </a:r>
+            <a:r>
+              <a:rPr kumimoji="1" lang="ja-JP" altLang="ja-JP" sz="1400" b="0" i="0" u="none" strike="noStrike" cap="none" normalizeH="0" baseline="0" dirty="0" smtClean="0">
+                <a:ln>
+                  <a:noFill/>
+                </a:ln>
+                <a:solidFill>
+                  <a:schemeClr val="tx1"/>
+                </a:solidFill>
+                <a:effectLst/>
+                <a:latin typeface="Arial Unicode MS" pitchFamily="50" charset="-128"/>
+                <a:ea typeface="ＭＳ Ｐゴシック" pitchFamily="50" charset="-128"/>
+                <a:cs typeface="ＭＳ Ｐゴシック" pitchFamily="50" charset="-128"/>
+              </a:rPr>
+              <a:t> </a:t>
             </a:r>
             <a:endParaRPr kumimoji="1" lang="ja-JP" altLang="ja-JP" sz="1400" b="0" i="0" u="none" strike="noStrike" cap="none" normalizeH="0" baseline="0" dirty="0" smtClean="0">
               <a:ln>
@@ -3804,41 +3938,16 @@
           </a:p>
         </p:txBody>
       </p:sp>
-    </p:spTree>
-  </p:cSld>
-  <p:clrMapOvr>
-    <a:masterClrMapping/>
-  </p:clrMapOvr>
-</p:sld>
-</file>
-
-<file path=ppt/slides/slide4.xml><?xml version="1.0" encoding="utf-8"?>
-<p:sld xmlns:a="http://schemas.openxmlformats.org/drawingml/2006/main" xmlns:r="http://schemas.openxmlformats.org/officeDocument/2006/relationships" xmlns:p="http://schemas.openxmlformats.org/presentationml/2006/main">
-  <p:cSld>
-    <p:spTree>
-      <p:nvGrpSpPr>
-        <p:cNvPr id="1" name=""/>
-        <p:cNvGrpSpPr/>
-        <p:nvPr/>
-      </p:nvGrpSpPr>
-      <p:grpSpPr>
-        <a:xfrm>
-          <a:off x="0" y="0"/>
-          <a:ext cx="0" cy="0"/>
-          <a:chOff x="0" y="0"/>
-          <a:chExt cx="0" cy="0"/>
-        </a:xfrm>
-      </p:grpSpPr>
       <p:pic>
         <p:nvPicPr>
-          <p:cNvPr id="1026" name="Picture 2"/>
+          <p:cNvPr id="9217" name="Picture 1"/>
           <p:cNvPicPr>
             <a:picLocks noChangeAspect="1" noChangeArrowheads="1"/>
           </p:cNvPicPr>
           <p:nvPr/>
         </p:nvPicPr>
         <p:blipFill>
-          <a:blip r:embed="rId2" cstate="print"/>
+          <a:blip r:embed="rId3" cstate="print"/>
           <a:srcRect/>
           <a:stretch>
             <a:fillRect/>
@@ -3846,8 +3955,8 @@
         </p:blipFill>
         <p:spPr bwMode="auto">
           <a:xfrm>
-            <a:off x="1403648" y="188640"/>
-            <a:ext cx="2102773" cy="1440000"/>
+            <a:off x="2699792" y="2564521"/>
+            <a:ext cx="6126832" cy="3669598"/>
           </a:xfrm>
           <a:prstGeom prst="rect">
             <a:avLst/>
@@ -3862,1132 +3971,6 @@
           <a:effectLst/>
         </p:spPr>
       </p:pic>
-      <p:sp>
-        <p:nvSpPr>
-          <p:cNvPr id="1027" name="Rectangle 3"/>
-          <p:cNvSpPr>
-            <a:spLocks noChangeArrowheads="1"/>
-          </p:cNvSpPr>
-          <p:nvPr/>
-        </p:nvSpPr>
-        <p:spPr bwMode="auto">
-          <a:xfrm>
-            <a:off x="251520" y="692696"/>
-            <a:ext cx="1296144" cy="246221"/>
-          </a:xfrm>
-          <a:prstGeom prst="rect">
-            <a:avLst/>
-          </a:prstGeom>
-          <a:noFill/>
-          <a:ln w="9525">
-            <a:noFill/>
-            <a:miter lim="800000"/>
-            <a:headEnd/>
-            <a:tailEnd/>
-          </a:ln>
-          <a:effectLst/>
-        </p:spPr>
-        <p:txBody>
-          <a:bodyPr vert="horz" wrap="square" lIns="91440" tIns="45720" rIns="91440" bIns="45720" numCol="1" anchor="ctr" anchorCtr="0" compatLnSpc="1">
-            <a:prstTxWarp prst="textNoShape">
-              <a:avLst/>
-            </a:prstTxWarp>
-            <a:spAutoFit/>
-          </a:bodyPr>
-          <a:lstStyle/>
-          <a:p>
-            <a:pPr marL="0" marR="0" lvl="0" indent="0" algn="l" defTabSz="914400" rtl="0" eaLnBrk="1" fontAlgn="base" latinLnBrk="0" hangingPunct="1">
-              <a:lnSpc>
-                <a:spcPct val="100000"/>
-              </a:lnSpc>
-              <a:spcBef>
-                <a:spcPct val="0"/>
-              </a:spcBef>
-              <a:spcAft>
-                <a:spcPct val="0"/>
-              </a:spcAft>
-              <a:buClrTx/>
-              <a:buSzTx/>
-              <a:buFontTx/>
-              <a:buNone/>
-              <a:tabLst/>
-            </a:pPr>
-            <a:r>
-              <a:rPr kumimoji="1" lang="en-US" altLang="ja-JP" sz="1000" b="0" i="0" u="none" strike="noStrike" cap="none" normalizeH="0" baseline="0" dirty="0" smtClean="0">
-                <a:ln>
-                  <a:noFill/>
-                </a:ln>
-                <a:solidFill>
-                  <a:schemeClr val="tx1"/>
-                </a:solidFill>
-                <a:effectLst/>
-                <a:latin typeface="Arial Unicode MS" pitchFamily="50" charset="-128"/>
-                <a:ea typeface="ＭＳ Ｐゴシック" pitchFamily="50" charset="-128"/>
-                <a:cs typeface="ＭＳ Ｐゴシック" pitchFamily="50" charset="-128"/>
-              </a:rPr>
-              <a:t>0   </a:t>
-            </a:r>
-            <a:r>
-              <a:rPr kumimoji="1" lang="ja-JP" altLang="ja-JP" sz="1000" b="0" i="0" u="none" strike="noStrike" cap="none" normalizeH="0" baseline="0" dirty="0" smtClean="0">
-                <a:ln>
-                  <a:noFill/>
-                </a:ln>
-                <a:solidFill>
-                  <a:schemeClr val="tx1"/>
-                </a:solidFill>
-                <a:effectLst/>
-                <a:latin typeface="Arial Unicode MS" pitchFamily="50" charset="-128"/>
-                <a:ea typeface="ＭＳ Ｐゴシック" pitchFamily="50" charset="-128"/>
-                <a:cs typeface="ＭＳ Ｐゴシック" pitchFamily="50" charset="-128"/>
-              </a:rPr>
-              <a:t>ne= 2116</a:t>
-            </a:r>
-            <a:r>
-              <a:rPr kumimoji="1" lang="ja-JP" altLang="ja-JP" sz="600" b="0" i="0" u="none" strike="noStrike" cap="none" normalizeH="0" baseline="0" dirty="0" smtClean="0">
-                <a:ln>
-                  <a:noFill/>
-                </a:ln>
-                <a:solidFill>
-                  <a:schemeClr val="tx1"/>
-                </a:solidFill>
-                <a:effectLst/>
-                <a:latin typeface="Arial" pitchFamily="34" charset="0"/>
-                <a:ea typeface="ＭＳ Ｐゴシック" pitchFamily="50" charset="-128"/>
-                <a:cs typeface="ＭＳ Ｐゴシック" pitchFamily="50" charset="-128"/>
-              </a:rPr>
-              <a:t> </a:t>
-            </a:r>
-            <a:endParaRPr kumimoji="1" lang="ja-JP" altLang="ja-JP" sz="1800" b="0" i="0" u="none" strike="noStrike" cap="none" normalizeH="0" baseline="0" dirty="0" smtClean="0">
-              <a:ln>
-                <a:noFill/>
-              </a:ln>
-              <a:solidFill>
-                <a:schemeClr val="tx1"/>
-              </a:solidFill>
-              <a:effectLst/>
-              <a:latin typeface="Arial" pitchFamily="34" charset="0"/>
-              <a:ea typeface="ＭＳ Ｐゴシック" pitchFamily="50" charset="-128"/>
-              <a:cs typeface="ＭＳ Ｐゴシック" pitchFamily="50" charset="-128"/>
-            </a:endParaRPr>
-          </a:p>
-        </p:txBody>
-      </p:sp>
-      <p:sp>
-        <p:nvSpPr>
-          <p:cNvPr id="1028" name="Rectangle 4"/>
-          <p:cNvSpPr>
-            <a:spLocks noChangeArrowheads="1"/>
-          </p:cNvSpPr>
-          <p:nvPr/>
-        </p:nvSpPr>
-        <p:spPr bwMode="auto">
-          <a:xfrm>
-            <a:off x="251520" y="2204864"/>
-            <a:ext cx="1152128" cy="246221"/>
-          </a:xfrm>
-          <a:prstGeom prst="rect">
-            <a:avLst/>
-          </a:prstGeom>
-          <a:noFill/>
-          <a:ln w="9525">
-            <a:noFill/>
-            <a:miter lim="800000"/>
-            <a:headEnd/>
-            <a:tailEnd/>
-          </a:ln>
-          <a:effectLst/>
-        </p:spPr>
-        <p:txBody>
-          <a:bodyPr vert="horz" wrap="square" lIns="91440" tIns="45720" rIns="91440" bIns="45720" numCol="1" anchor="ctr" anchorCtr="0" compatLnSpc="1">
-            <a:prstTxWarp prst="textNoShape">
-              <a:avLst/>
-            </a:prstTxWarp>
-            <a:spAutoFit/>
-          </a:bodyPr>
-          <a:lstStyle/>
-          <a:p>
-            <a:pPr marL="0" marR="0" lvl="0" indent="0" algn="l" defTabSz="914400" rtl="0" eaLnBrk="1" fontAlgn="base" latinLnBrk="0" hangingPunct="1">
-              <a:lnSpc>
-                <a:spcPct val="100000"/>
-              </a:lnSpc>
-              <a:spcBef>
-                <a:spcPct val="0"/>
-              </a:spcBef>
-              <a:spcAft>
-                <a:spcPct val="0"/>
-              </a:spcAft>
-              <a:buClrTx/>
-              <a:buSzTx/>
-              <a:buFontTx/>
-              <a:buNone/>
-              <a:tabLst/>
-            </a:pPr>
-            <a:r>
-              <a:rPr kumimoji="1" lang="en-US" altLang="ja-JP" sz="1000" b="0" i="0" u="none" strike="noStrike" cap="none" normalizeH="0" baseline="0" dirty="0" smtClean="0">
-                <a:ln>
-                  <a:noFill/>
-                </a:ln>
-                <a:solidFill>
-                  <a:schemeClr val="tx1"/>
-                </a:solidFill>
-                <a:effectLst/>
-                <a:latin typeface="Arial Unicode MS" pitchFamily="50" charset="-128"/>
-                <a:ea typeface="ＭＳ Ｐゴシック" pitchFamily="50" charset="-128"/>
-                <a:cs typeface="ＭＳ Ｐゴシック" pitchFamily="50" charset="-128"/>
-              </a:rPr>
-              <a:t>1   </a:t>
-            </a:r>
-            <a:r>
-              <a:rPr kumimoji="1" lang="ja-JP" altLang="ja-JP" sz="1000" b="0" i="0" u="none" strike="noStrike" cap="none" normalizeH="0" baseline="0" dirty="0" smtClean="0">
-                <a:ln>
-                  <a:noFill/>
-                </a:ln>
-                <a:solidFill>
-                  <a:schemeClr val="tx1"/>
-                </a:solidFill>
-                <a:effectLst/>
-                <a:latin typeface="Arial Unicode MS" pitchFamily="50" charset="-128"/>
-                <a:ea typeface="ＭＳ Ｐゴシック" pitchFamily="50" charset="-128"/>
-                <a:cs typeface="ＭＳ Ｐゴシック" pitchFamily="50" charset="-128"/>
-              </a:rPr>
-              <a:t>ne= 2523</a:t>
-            </a:r>
-            <a:r>
-              <a:rPr kumimoji="1" lang="ja-JP" altLang="ja-JP" sz="600" b="0" i="0" u="none" strike="noStrike" cap="none" normalizeH="0" baseline="0" dirty="0" smtClean="0">
-                <a:ln>
-                  <a:noFill/>
-                </a:ln>
-                <a:solidFill>
-                  <a:schemeClr val="tx1"/>
-                </a:solidFill>
-                <a:effectLst/>
-                <a:latin typeface="Arial" pitchFamily="34" charset="0"/>
-                <a:ea typeface="ＭＳ Ｐゴシック" pitchFamily="50" charset="-128"/>
-                <a:cs typeface="ＭＳ Ｐゴシック" pitchFamily="50" charset="-128"/>
-              </a:rPr>
-              <a:t> </a:t>
-            </a:r>
-            <a:endParaRPr kumimoji="1" lang="ja-JP" altLang="ja-JP" sz="1800" b="0" i="0" u="none" strike="noStrike" cap="none" normalizeH="0" baseline="0" dirty="0" smtClean="0">
-              <a:ln>
-                <a:noFill/>
-              </a:ln>
-              <a:solidFill>
-                <a:schemeClr val="tx1"/>
-              </a:solidFill>
-              <a:effectLst/>
-              <a:latin typeface="Arial" pitchFamily="34" charset="0"/>
-              <a:ea typeface="ＭＳ Ｐゴシック" pitchFamily="50" charset="-128"/>
-              <a:cs typeface="ＭＳ Ｐゴシック" pitchFamily="50" charset="-128"/>
-            </a:endParaRPr>
-          </a:p>
-        </p:txBody>
-      </p:sp>
-      <p:pic>
-        <p:nvPicPr>
-          <p:cNvPr id="1029" name="Picture 5"/>
-          <p:cNvPicPr>
-            <a:picLocks noChangeAspect="1" noChangeArrowheads="1"/>
-          </p:cNvPicPr>
-          <p:nvPr/>
-        </p:nvPicPr>
-        <p:blipFill>
-          <a:blip r:embed="rId3" cstate="print"/>
-          <a:srcRect/>
-          <a:stretch>
-            <a:fillRect/>
-          </a:stretch>
-        </p:blipFill>
-        <p:spPr bwMode="auto">
-          <a:xfrm>
-            <a:off x="1403648" y="1763151"/>
-            <a:ext cx="2133926" cy="1440000"/>
-          </a:xfrm>
-          <a:prstGeom prst="rect">
-            <a:avLst/>
-          </a:prstGeom>
-          <a:noFill/>
-          <a:ln w="9525">
-            <a:noFill/>
-            <a:miter lim="800000"/>
-            <a:headEnd/>
-            <a:tailEnd/>
-          </a:ln>
-          <a:effectLst/>
-        </p:spPr>
-      </p:pic>
-      <p:sp>
-        <p:nvSpPr>
-          <p:cNvPr id="1030" name="Rectangle 6"/>
-          <p:cNvSpPr>
-            <a:spLocks noChangeArrowheads="1"/>
-          </p:cNvSpPr>
-          <p:nvPr/>
-        </p:nvSpPr>
-        <p:spPr bwMode="auto">
-          <a:xfrm>
-            <a:off x="251520" y="3717032"/>
-            <a:ext cx="1008112" cy="246221"/>
-          </a:xfrm>
-          <a:prstGeom prst="rect">
-            <a:avLst/>
-          </a:prstGeom>
-          <a:noFill/>
-          <a:ln w="9525">
-            <a:noFill/>
-            <a:miter lim="800000"/>
-            <a:headEnd/>
-            <a:tailEnd/>
-          </a:ln>
-          <a:effectLst/>
-        </p:spPr>
-        <p:txBody>
-          <a:bodyPr vert="horz" wrap="square" lIns="91440" tIns="45720" rIns="91440" bIns="45720" numCol="1" anchor="ctr" anchorCtr="0" compatLnSpc="1">
-            <a:prstTxWarp prst="textNoShape">
-              <a:avLst/>
-            </a:prstTxWarp>
-            <a:spAutoFit/>
-          </a:bodyPr>
-          <a:lstStyle/>
-          <a:p>
-            <a:pPr marL="0" marR="0" lvl="0" indent="0" algn="l" defTabSz="914400" rtl="0" eaLnBrk="1" fontAlgn="base" latinLnBrk="0" hangingPunct="1">
-              <a:lnSpc>
-                <a:spcPct val="100000"/>
-              </a:lnSpc>
-              <a:spcBef>
-                <a:spcPct val="0"/>
-              </a:spcBef>
-              <a:spcAft>
-                <a:spcPct val="0"/>
-              </a:spcAft>
-              <a:buClrTx/>
-              <a:buSzTx/>
-              <a:buFontTx/>
-              <a:buNone/>
-              <a:tabLst/>
-            </a:pPr>
-            <a:r>
-              <a:rPr kumimoji="1" lang="en-US" altLang="ja-JP" sz="1000" b="0" i="0" u="none" strike="noStrike" cap="none" normalizeH="0" baseline="0" dirty="0" smtClean="0">
-                <a:ln>
-                  <a:noFill/>
-                </a:ln>
-                <a:solidFill>
-                  <a:schemeClr val="tx1"/>
-                </a:solidFill>
-                <a:effectLst/>
-                <a:latin typeface="Arial Unicode MS" pitchFamily="50" charset="-128"/>
-                <a:ea typeface="ＭＳ Ｐゴシック" pitchFamily="50" charset="-128"/>
-                <a:cs typeface="ＭＳ Ｐゴシック" pitchFamily="50" charset="-128"/>
-              </a:rPr>
-              <a:t>2   </a:t>
-            </a:r>
-            <a:r>
-              <a:rPr kumimoji="1" lang="ja-JP" altLang="ja-JP" sz="1000" b="0" i="0" u="none" strike="noStrike" cap="none" normalizeH="0" baseline="0" dirty="0" smtClean="0">
-                <a:ln>
-                  <a:noFill/>
-                </a:ln>
-                <a:solidFill>
-                  <a:schemeClr val="tx1"/>
-                </a:solidFill>
-                <a:effectLst/>
-                <a:latin typeface="Arial Unicode MS" pitchFamily="50" charset="-128"/>
-                <a:ea typeface="ＭＳ Ｐゴシック" pitchFamily="50" charset="-128"/>
-                <a:cs typeface="ＭＳ Ｐゴシック" pitchFamily="50" charset="-128"/>
-              </a:rPr>
-              <a:t>ne= 4895</a:t>
-            </a:r>
-            <a:r>
-              <a:rPr kumimoji="1" lang="ja-JP" altLang="ja-JP" sz="600" b="0" i="0" u="none" strike="noStrike" cap="none" normalizeH="0" baseline="0" dirty="0" smtClean="0">
-                <a:ln>
-                  <a:noFill/>
-                </a:ln>
-                <a:solidFill>
-                  <a:schemeClr val="tx1"/>
-                </a:solidFill>
-                <a:effectLst/>
-                <a:latin typeface="Arial" pitchFamily="34" charset="0"/>
-                <a:ea typeface="ＭＳ Ｐゴシック" pitchFamily="50" charset="-128"/>
-                <a:cs typeface="ＭＳ Ｐゴシック" pitchFamily="50" charset="-128"/>
-              </a:rPr>
-              <a:t> </a:t>
-            </a:r>
-            <a:endParaRPr kumimoji="1" lang="ja-JP" altLang="ja-JP" sz="1800" b="0" i="0" u="none" strike="noStrike" cap="none" normalizeH="0" baseline="0" dirty="0" smtClean="0">
-              <a:ln>
-                <a:noFill/>
-              </a:ln>
-              <a:solidFill>
-                <a:schemeClr val="tx1"/>
-              </a:solidFill>
-              <a:effectLst/>
-              <a:latin typeface="Arial" pitchFamily="34" charset="0"/>
-              <a:ea typeface="ＭＳ Ｐゴシック" pitchFamily="50" charset="-128"/>
-              <a:cs typeface="ＭＳ Ｐゴシック" pitchFamily="50" charset="-128"/>
-            </a:endParaRPr>
-          </a:p>
-        </p:txBody>
-      </p:sp>
-      <p:pic>
-        <p:nvPicPr>
-          <p:cNvPr id="1031" name="Picture 7"/>
-          <p:cNvPicPr>
-            <a:picLocks noChangeAspect="1" noChangeArrowheads="1"/>
-          </p:cNvPicPr>
-          <p:nvPr/>
-        </p:nvPicPr>
-        <p:blipFill>
-          <a:blip r:embed="rId4" cstate="print"/>
-          <a:srcRect/>
-          <a:stretch>
-            <a:fillRect/>
-          </a:stretch>
-        </p:blipFill>
-        <p:spPr bwMode="auto">
-          <a:xfrm>
-            <a:off x="1403648" y="3337662"/>
-            <a:ext cx="2197222" cy="1541004"/>
-          </a:xfrm>
-          <a:prstGeom prst="rect">
-            <a:avLst/>
-          </a:prstGeom>
-          <a:noFill/>
-          <a:ln w="9525">
-            <a:noFill/>
-            <a:miter lim="800000"/>
-            <a:headEnd/>
-            <a:tailEnd/>
-          </a:ln>
-          <a:effectLst/>
-        </p:spPr>
-      </p:pic>
-      <p:sp>
-        <p:nvSpPr>
-          <p:cNvPr id="1032" name="Rectangle 8"/>
-          <p:cNvSpPr>
-            <a:spLocks noChangeArrowheads="1"/>
-          </p:cNvSpPr>
-          <p:nvPr/>
-        </p:nvSpPr>
-        <p:spPr bwMode="auto">
-          <a:xfrm>
-            <a:off x="251520" y="5517232"/>
-            <a:ext cx="1043608" cy="246221"/>
-          </a:xfrm>
-          <a:prstGeom prst="rect">
-            <a:avLst/>
-          </a:prstGeom>
-          <a:noFill/>
-          <a:ln w="9525">
-            <a:noFill/>
-            <a:miter lim="800000"/>
-            <a:headEnd/>
-            <a:tailEnd/>
-          </a:ln>
-          <a:effectLst/>
-        </p:spPr>
-        <p:txBody>
-          <a:bodyPr vert="horz" wrap="square" lIns="91440" tIns="45720" rIns="91440" bIns="45720" numCol="1" anchor="ctr" anchorCtr="0" compatLnSpc="1">
-            <a:prstTxWarp prst="textNoShape">
-              <a:avLst/>
-            </a:prstTxWarp>
-            <a:spAutoFit/>
-          </a:bodyPr>
-          <a:lstStyle/>
-          <a:p>
-            <a:pPr marL="0" marR="0" lvl="0" indent="0" algn="l" defTabSz="914400" rtl="0" eaLnBrk="1" fontAlgn="base" latinLnBrk="0" hangingPunct="1">
-              <a:lnSpc>
-                <a:spcPct val="100000"/>
-              </a:lnSpc>
-              <a:spcBef>
-                <a:spcPct val="0"/>
-              </a:spcBef>
-              <a:spcAft>
-                <a:spcPct val="0"/>
-              </a:spcAft>
-              <a:buClrTx/>
-              <a:buSzTx/>
-              <a:buFontTx/>
-              <a:buNone/>
-              <a:tabLst/>
-            </a:pPr>
-            <a:r>
-              <a:rPr kumimoji="1" lang="en-US" altLang="ja-JP" sz="1000" b="0" i="0" u="none" strike="noStrike" cap="none" normalizeH="0" baseline="0" dirty="0" smtClean="0">
-                <a:ln>
-                  <a:noFill/>
-                </a:ln>
-                <a:solidFill>
-                  <a:schemeClr val="tx1"/>
-                </a:solidFill>
-                <a:effectLst/>
-                <a:latin typeface="Arial Unicode MS" pitchFamily="50" charset="-128"/>
-                <a:ea typeface="ＭＳ Ｐゴシック" pitchFamily="50" charset="-128"/>
-                <a:cs typeface="ＭＳ Ｐゴシック" pitchFamily="50" charset="-128"/>
-              </a:rPr>
-              <a:t>3  </a:t>
-            </a:r>
-            <a:r>
-              <a:rPr kumimoji="1" lang="ja-JP" altLang="ja-JP" sz="1000" b="0" i="0" u="none" strike="noStrike" cap="none" normalizeH="0" baseline="0" dirty="0" smtClean="0">
-                <a:ln>
-                  <a:noFill/>
-                </a:ln>
-                <a:solidFill>
-                  <a:schemeClr val="tx1"/>
-                </a:solidFill>
-                <a:effectLst/>
-                <a:latin typeface="Arial Unicode MS" pitchFamily="50" charset="-128"/>
-                <a:ea typeface="ＭＳ Ｐゴシック" pitchFamily="50" charset="-128"/>
-                <a:cs typeface="ＭＳ Ｐゴシック" pitchFamily="50" charset="-128"/>
-              </a:rPr>
-              <a:t>ne= 7447</a:t>
-            </a:r>
-            <a:r>
-              <a:rPr kumimoji="1" lang="ja-JP" altLang="ja-JP" sz="600" b="0" i="0" u="none" strike="noStrike" cap="none" normalizeH="0" baseline="0" dirty="0" smtClean="0">
-                <a:ln>
-                  <a:noFill/>
-                </a:ln>
-                <a:solidFill>
-                  <a:schemeClr val="tx1"/>
-                </a:solidFill>
-                <a:effectLst/>
-                <a:latin typeface="Arial" pitchFamily="34" charset="0"/>
-                <a:ea typeface="ＭＳ Ｐゴシック" pitchFamily="50" charset="-128"/>
-                <a:cs typeface="ＭＳ Ｐゴシック" pitchFamily="50" charset="-128"/>
-              </a:rPr>
-              <a:t> </a:t>
-            </a:r>
-            <a:endParaRPr kumimoji="1" lang="ja-JP" altLang="ja-JP" sz="1800" b="0" i="0" u="none" strike="noStrike" cap="none" normalizeH="0" baseline="0" dirty="0" smtClean="0">
-              <a:ln>
-                <a:noFill/>
-              </a:ln>
-              <a:solidFill>
-                <a:schemeClr val="tx1"/>
-              </a:solidFill>
-              <a:effectLst/>
-              <a:latin typeface="Arial" pitchFamily="34" charset="0"/>
-              <a:ea typeface="ＭＳ Ｐゴシック" pitchFamily="50" charset="-128"/>
-              <a:cs typeface="ＭＳ Ｐゴシック" pitchFamily="50" charset="-128"/>
-            </a:endParaRPr>
-          </a:p>
-        </p:txBody>
-      </p:sp>
-      <p:pic>
-        <p:nvPicPr>
-          <p:cNvPr id="1033" name="Picture 9"/>
-          <p:cNvPicPr>
-            <a:picLocks noChangeAspect="1" noChangeArrowheads="1"/>
-          </p:cNvPicPr>
-          <p:nvPr/>
-        </p:nvPicPr>
-        <p:blipFill>
-          <a:blip r:embed="rId5" cstate="print"/>
-          <a:srcRect/>
-          <a:stretch>
-            <a:fillRect/>
-          </a:stretch>
-        </p:blipFill>
-        <p:spPr bwMode="auto">
-          <a:xfrm>
-            <a:off x="1403648" y="5013176"/>
-            <a:ext cx="2213042" cy="1512008"/>
-          </a:xfrm>
-          <a:prstGeom prst="rect">
-            <a:avLst/>
-          </a:prstGeom>
-          <a:noFill/>
-          <a:ln w="9525">
-            <a:noFill/>
-            <a:miter lim="800000"/>
-            <a:headEnd/>
-            <a:tailEnd/>
-          </a:ln>
-          <a:effectLst/>
-        </p:spPr>
-      </p:pic>
-      <p:sp>
-        <p:nvSpPr>
-          <p:cNvPr id="1034" name="Rectangle 10"/>
-          <p:cNvSpPr>
-            <a:spLocks noChangeArrowheads="1"/>
-          </p:cNvSpPr>
-          <p:nvPr/>
-        </p:nvSpPr>
-        <p:spPr bwMode="auto">
-          <a:xfrm>
-            <a:off x="4139952" y="764704"/>
-            <a:ext cx="971600" cy="246221"/>
-          </a:xfrm>
-          <a:prstGeom prst="rect">
-            <a:avLst/>
-          </a:prstGeom>
-          <a:noFill/>
-          <a:ln w="9525">
-            <a:noFill/>
-            <a:miter lim="800000"/>
-            <a:headEnd/>
-            <a:tailEnd/>
-          </a:ln>
-          <a:effectLst/>
-        </p:spPr>
-        <p:txBody>
-          <a:bodyPr vert="horz" wrap="square" lIns="91440" tIns="45720" rIns="91440" bIns="45720" numCol="1" anchor="ctr" anchorCtr="0" compatLnSpc="1">
-            <a:prstTxWarp prst="textNoShape">
-              <a:avLst/>
-            </a:prstTxWarp>
-            <a:spAutoFit/>
-          </a:bodyPr>
-          <a:lstStyle/>
-          <a:p>
-            <a:pPr marL="0" marR="0" lvl="0" indent="0" algn="l" defTabSz="914400" rtl="0" eaLnBrk="1" fontAlgn="base" latinLnBrk="0" hangingPunct="1">
-              <a:lnSpc>
-                <a:spcPct val="100000"/>
-              </a:lnSpc>
-              <a:spcBef>
-                <a:spcPct val="0"/>
-              </a:spcBef>
-              <a:spcAft>
-                <a:spcPct val="0"/>
-              </a:spcAft>
-              <a:buClrTx/>
-              <a:buSzTx/>
-              <a:buFontTx/>
-              <a:buNone/>
-              <a:tabLst/>
-            </a:pPr>
-            <a:r>
-              <a:rPr kumimoji="1" lang="en-US" altLang="ja-JP" sz="1000" b="0" i="0" u="none" strike="noStrike" cap="none" normalizeH="0" baseline="0" dirty="0" smtClean="0">
-                <a:ln>
-                  <a:noFill/>
-                </a:ln>
-                <a:solidFill>
-                  <a:schemeClr val="tx1"/>
-                </a:solidFill>
-                <a:effectLst/>
-                <a:latin typeface="Arial Unicode MS" pitchFamily="50" charset="-128"/>
-                <a:ea typeface="ＭＳ Ｐゴシック" pitchFamily="50" charset="-128"/>
-                <a:cs typeface="ＭＳ Ｐゴシック" pitchFamily="50" charset="-128"/>
-              </a:rPr>
-              <a:t>4  </a:t>
-            </a:r>
-            <a:r>
-              <a:rPr kumimoji="1" lang="ja-JP" altLang="ja-JP" sz="1000" b="0" i="0" u="none" strike="noStrike" cap="none" normalizeH="0" baseline="0" dirty="0" smtClean="0">
-                <a:ln>
-                  <a:noFill/>
-                </a:ln>
-                <a:solidFill>
-                  <a:schemeClr val="tx1"/>
-                </a:solidFill>
-                <a:effectLst/>
-                <a:latin typeface="Arial Unicode MS" pitchFamily="50" charset="-128"/>
-                <a:ea typeface="ＭＳ Ｐゴシック" pitchFamily="50" charset="-128"/>
-                <a:cs typeface="ＭＳ Ｐゴシック" pitchFamily="50" charset="-128"/>
-              </a:rPr>
-              <a:t>ne= 16223</a:t>
-            </a:r>
-            <a:r>
-              <a:rPr kumimoji="1" lang="ja-JP" altLang="ja-JP" sz="600" b="0" i="0" u="none" strike="noStrike" cap="none" normalizeH="0" baseline="0" dirty="0" smtClean="0">
-                <a:ln>
-                  <a:noFill/>
-                </a:ln>
-                <a:solidFill>
-                  <a:schemeClr val="tx1"/>
-                </a:solidFill>
-                <a:effectLst/>
-                <a:latin typeface="Arial" pitchFamily="34" charset="0"/>
-                <a:ea typeface="ＭＳ Ｐゴシック" pitchFamily="50" charset="-128"/>
-                <a:cs typeface="ＭＳ Ｐゴシック" pitchFamily="50" charset="-128"/>
-              </a:rPr>
-              <a:t> </a:t>
-            </a:r>
-            <a:endParaRPr kumimoji="1" lang="ja-JP" altLang="ja-JP" sz="1800" b="0" i="0" u="none" strike="noStrike" cap="none" normalizeH="0" baseline="0" dirty="0" smtClean="0">
-              <a:ln>
-                <a:noFill/>
-              </a:ln>
-              <a:solidFill>
-                <a:schemeClr val="tx1"/>
-              </a:solidFill>
-              <a:effectLst/>
-              <a:latin typeface="Arial" pitchFamily="34" charset="0"/>
-              <a:ea typeface="ＭＳ Ｐゴシック" pitchFamily="50" charset="-128"/>
-              <a:cs typeface="ＭＳ Ｐゴシック" pitchFamily="50" charset="-128"/>
-            </a:endParaRPr>
-          </a:p>
-        </p:txBody>
-      </p:sp>
-      <p:pic>
-        <p:nvPicPr>
-          <p:cNvPr id="1035" name="Picture 11"/>
-          <p:cNvPicPr>
-            <a:picLocks noChangeAspect="1" noChangeArrowheads="1"/>
-          </p:cNvPicPr>
-          <p:nvPr/>
-        </p:nvPicPr>
-        <p:blipFill>
-          <a:blip r:embed="rId6" cstate="print"/>
-          <a:srcRect/>
-          <a:stretch>
-            <a:fillRect/>
-          </a:stretch>
-        </p:blipFill>
-        <p:spPr bwMode="auto">
-          <a:xfrm>
-            <a:off x="5292080" y="188640"/>
-            <a:ext cx="2118030" cy="1440000"/>
-          </a:xfrm>
-          <a:prstGeom prst="rect">
-            <a:avLst/>
-          </a:prstGeom>
-          <a:noFill/>
-          <a:ln w="9525">
-            <a:noFill/>
-            <a:miter lim="800000"/>
-            <a:headEnd/>
-            <a:tailEnd/>
-          </a:ln>
-          <a:effectLst/>
-        </p:spPr>
-      </p:pic>
-      <p:sp>
-        <p:nvSpPr>
-          <p:cNvPr id="1036" name="Rectangle 12"/>
-          <p:cNvSpPr>
-            <a:spLocks noChangeArrowheads="1"/>
-          </p:cNvSpPr>
-          <p:nvPr/>
-        </p:nvSpPr>
-        <p:spPr bwMode="auto">
-          <a:xfrm>
-            <a:off x="4211960" y="2425824"/>
-            <a:ext cx="1043608" cy="246221"/>
-          </a:xfrm>
-          <a:prstGeom prst="rect">
-            <a:avLst/>
-          </a:prstGeom>
-          <a:noFill/>
-          <a:ln w="9525">
-            <a:noFill/>
-            <a:miter lim="800000"/>
-            <a:headEnd/>
-            <a:tailEnd/>
-          </a:ln>
-          <a:effectLst/>
-        </p:spPr>
-        <p:txBody>
-          <a:bodyPr vert="horz" wrap="square" lIns="91440" tIns="45720" rIns="91440" bIns="45720" numCol="1" anchor="ctr" anchorCtr="0" compatLnSpc="1">
-            <a:prstTxWarp prst="textNoShape">
-              <a:avLst/>
-            </a:prstTxWarp>
-            <a:spAutoFit/>
-          </a:bodyPr>
-          <a:lstStyle/>
-          <a:p>
-            <a:pPr marL="0" marR="0" lvl="0" indent="0" algn="l" defTabSz="914400" rtl="0" eaLnBrk="1" fontAlgn="base" latinLnBrk="0" hangingPunct="1">
-              <a:lnSpc>
-                <a:spcPct val="100000"/>
-              </a:lnSpc>
-              <a:spcBef>
-                <a:spcPct val="0"/>
-              </a:spcBef>
-              <a:spcAft>
-                <a:spcPct val="0"/>
-              </a:spcAft>
-              <a:buClrTx/>
-              <a:buSzTx/>
-              <a:buFontTx/>
-              <a:buNone/>
-              <a:tabLst/>
-            </a:pPr>
-            <a:r>
-              <a:rPr kumimoji="1" lang="en-US" altLang="ja-JP" sz="1000" b="0" i="0" u="none" strike="noStrike" cap="none" normalizeH="0" baseline="0" dirty="0" smtClean="0">
-                <a:ln>
-                  <a:noFill/>
-                </a:ln>
-                <a:solidFill>
-                  <a:schemeClr val="tx1"/>
-                </a:solidFill>
-                <a:effectLst/>
-                <a:latin typeface="Arial Unicode MS" pitchFamily="50" charset="-128"/>
-                <a:ea typeface="ＭＳ Ｐゴシック" pitchFamily="50" charset="-128"/>
-                <a:cs typeface="ＭＳ Ｐゴシック" pitchFamily="50" charset="-128"/>
-              </a:rPr>
-              <a:t>5  </a:t>
-            </a:r>
-            <a:r>
-              <a:rPr kumimoji="1" lang="ja-JP" altLang="ja-JP" sz="1000" b="0" i="0" u="none" strike="noStrike" cap="none" normalizeH="0" baseline="0" dirty="0" smtClean="0">
-                <a:ln>
-                  <a:noFill/>
-                </a:ln>
-                <a:solidFill>
-                  <a:schemeClr val="tx1"/>
-                </a:solidFill>
-                <a:effectLst/>
-                <a:latin typeface="Arial Unicode MS" pitchFamily="50" charset="-128"/>
-                <a:ea typeface="ＭＳ Ｐゴシック" pitchFamily="50" charset="-128"/>
-                <a:cs typeface="ＭＳ Ｐゴシック" pitchFamily="50" charset="-128"/>
-              </a:rPr>
-              <a:t>ne= 26872</a:t>
-            </a:r>
-            <a:r>
-              <a:rPr kumimoji="1" lang="ja-JP" altLang="ja-JP" sz="600" b="0" i="0" u="none" strike="noStrike" cap="none" normalizeH="0" baseline="0" dirty="0" smtClean="0">
-                <a:ln>
-                  <a:noFill/>
-                </a:ln>
-                <a:solidFill>
-                  <a:schemeClr val="tx1"/>
-                </a:solidFill>
-                <a:effectLst/>
-                <a:latin typeface="Arial" pitchFamily="34" charset="0"/>
-                <a:ea typeface="ＭＳ Ｐゴシック" pitchFamily="50" charset="-128"/>
-                <a:cs typeface="ＭＳ Ｐゴシック" pitchFamily="50" charset="-128"/>
-              </a:rPr>
-              <a:t> </a:t>
-            </a:r>
-            <a:endParaRPr kumimoji="1" lang="ja-JP" altLang="ja-JP" sz="1800" b="0" i="0" u="none" strike="noStrike" cap="none" normalizeH="0" baseline="0" dirty="0" smtClean="0">
-              <a:ln>
-                <a:noFill/>
-              </a:ln>
-              <a:solidFill>
-                <a:schemeClr val="tx1"/>
-              </a:solidFill>
-              <a:effectLst/>
-              <a:latin typeface="Arial" pitchFamily="34" charset="0"/>
-              <a:ea typeface="ＭＳ Ｐゴシック" pitchFamily="50" charset="-128"/>
-              <a:cs typeface="ＭＳ Ｐゴシック" pitchFamily="50" charset="-128"/>
-            </a:endParaRPr>
-          </a:p>
-        </p:txBody>
-      </p:sp>
-      <p:pic>
-        <p:nvPicPr>
-          <p:cNvPr id="1037" name="Picture 13"/>
-          <p:cNvPicPr>
-            <a:picLocks noChangeAspect="1" noChangeArrowheads="1"/>
-          </p:cNvPicPr>
-          <p:nvPr/>
-        </p:nvPicPr>
-        <p:blipFill>
-          <a:blip r:embed="rId7" cstate="print"/>
-          <a:srcRect/>
-          <a:stretch>
-            <a:fillRect/>
-          </a:stretch>
-        </p:blipFill>
-        <p:spPr bwMode="auto">
-          <a:xfrm>
-            <a:off x="5292080" y="1820821"/>
-            <a:ext cx="2094175" cy="1440000"/>
-          </a:xfrm>
-          <a:prstGeom prst="rect">
-            <a:avLst/>
-          </a:prstGeom>
-          <a:noFill/>
-          <a:ln w="9525">
-            <a:noFill/>
-            <a:miter lim="800000"/>
-            <a:headEnd/>
-            <a:tailEnd/>
-          </a:ln>
-          <a:effectLst/>
-        </p:spPr>
-      </p:pic>
-      <p:sp>
-        <p:nvSpPr>
-          <p:cNvPr id="17" name="Rectangle 1"/>
-          <p:cNvSpPr>
-            <a:spLocks noChangeArrowheads="1"/>
-          </p:cNvSpPr>
-          <p:nvPr/>
-        </p:nvSpPr>
-        <p:spPr bwMode="auto">
-          <a:xfrm>
-            <a:off x="4211960" y="3861048"/>
-            <a:ext cx="1259632" cy="246221"/>
-          </a:xfrm>
-          <a:prstGeom prst="rect">
-            <a:avLst/>
-          </a:prstGeom>
-          <a:noFill/>
-          <a:ln w="9525">
-            <a:noFill/>
-            <a:miter lim="800000"/>
-            <a:headEnd/>
-            <a:tailEnd/>
-          </a:ln>
-          <a:effectLst/>
-        </p:spPr>
-        <p:txBody>
-          <a:bodyPr vert="horz" wrap="square" lIns="91440" tIns="45720" rIns="91440" bIns="45720" numCol="1" anchor="ctr" anchorCtr="0" compatLnSpc="1">
-            <a:prstTxWarp prst="textNoShape">
-              <a:avLst/>
-            </a:prstTxWarp>
-            <a:spAutoFit/>
-          </a:bodyPr>
-          <a:lstStyle/>
-          <a:p>
-            <a:pPr marL="0" marR="0" lvl="0" indent="0" algn="l" defTabSz="914400" rtl="0" eaLnBrk="1" fontAlgn="base" latinLnBrk="0" hangingPunct="1">
-              <a:lnSpc>
-                <a:spcPct val="100000"/>
-              </a:lnSpc>
-              <a:spcBef>
-                <a:spcPct val="0"/>
-              </a:spcBef>
-              <a:spcAft>
-                <a:spcPct val="0"/>
-              </a:spcAft>
-              <a:buClrTx/>
-              <a:buSzTx/>
-              <a:buFontTx/>
-              <a:buNone/>
-              <a:tabLst/>
-            </a:pPr>
-            <a:r>
-              <a:rPr kumimoji="1" lang="en-US" altLang="ja-JP" sz="1000" b="0" i="0" u="none" strike="noStrike" cap="none" normalizeH="0" baseline="0" dirty="0" smtClean="0">
-                <a:ln>
-                  <a:noFill/>
-                </a:ln>
-                <a:solidFill>
-                  <a:schemeClr val="tx1"/>
-                </a:solidFill>
-                <a:effectLst/>
-                <a:latin typeface="Arial Unicode MS" pitchFamily="50" charset="-128"/>
-                <a:ea typeface="ＭＳ Ｐゴシック" pitchFamily="50" charset="-128"/>
-                <a:cs typeface="ＭＳ Ｐゴシック" pitchFamily="50" charset="-128"/>
-              </a:rPr>
-              <a:t>6  </a:t>
-            </a:r>
-            <a:r>
-              <a:rPr kumimoji="1" lang="ja-JP" altLang="ja-JP" sz="1000" b="0" i="0" u="none" strike="noStrike" cap="none" normalizeH="0" baseline="0" dirty="0" smtClean="0">
-                <a:ln>
-                  <a:noFill/>
-                </a:ln>
-                <a:solidFill>
-                  <a:schemeClr val="tx1"/>
-                </a:solidFill>
-                <a:effectLst/>
-                <a:latin typeface="Arial Unicode MS" pitchFamily="50" charset="-128"/>
-                <a:ea typeface="ＭＳ Ｐゴシック" pitchFamily="50" charset="-128"/>
-                <a:cs typeface="ＭＳ Ｐゴシック" pitchFamily="50" charset="-128"/>
-              </a:rPr>
-              <a:t>ne= 49197</a:t>
-            </a:r>
-            <a:r>
-              <a:rPr kumimoji="1" lang="ja-JP" altLang="ja-JP" sz="600" b="0" i="0" u="none" strike="noStrike" cap="none" normalizeH="0" baseline="0" dirty="0" smtClean="0">
-                <a:ln>
-                  <a:noFill/>
-                </a:ln>
-                <a:solidFill>
-                  <a:schemeClr val="tx1"/>
-                </a:solidFill>
-                <a:effectLst/>
-                <a:latin typeface="Arial" pitchFamily="34" charset="0"/>
-                <a:ea typeface="ＭＳ Ｐゴシック" pitchFamily="50" charset="-128"/>
-                <a:cs typeface="ＭＳ Ｐゴシック" pitchFamily="50" charset="-128"/>
-              </a:rPr>
-              <a:t> </a:t>
-            </a:r>
-            <a:endParaRPr kumimoji="1" lang="ja-JP" altLang="ja-JP" sz="1800" b="0" i="0" u="none" strike="noStrike" cap="none" normalizeH="0" baseline="0" dirty="0" smtClean="0">
-              <a:ln>
-                <a:noFill/>
-              </a:ln>
-              <a:solidFill>
-                <a:schemeClr val="tx1"/>
-              </a:solidFill>
-              <a:effectLst/>
-              <a:latin typeface="Arial" pitchFamily="34" charset="0"/>
-              <a:ea typeface="ＭＳ Ｐゴシック" pitchFamily="50" charset="-128"/>
-              <a:cs typeface="ＭＳ Ｐゴシック" pitchFamily="50" charset="-128"/>
-            </a:endParaRPr>
-          </a:p>
-        </p:txBody>
-      </p:sp>
-      <p:pic>
-        <p:nvPicPr>
-          <p:cNvPr id="18" name="Picture 2"/>
-          <p:cNvPicPr>
-            <a:picLocks noChangeAspect="1" noChangeArrowheads="1"/>
-          </p:cNvPicPr>
-          <p:nvPr/>
-        </p:nvPicPr>
-        <p:blipFill>
-          <a:blip r:embed="rId8" cstate="print"/>
-          <a:srcRect/>
-          <a:stretch>
-            <a:fillRect/>
-          </a:stretch>
-        </p:blipFill>
-        <p:spPr bwMode="auto">
-          <a:xfrm>
-            <a:off x="5292080" y="3453002"/>
-            <a:ext cx="2082732" cy="1440000"/>
-          </a:xfrm>
-          <a:prstGeom prst="rect">
-            <a:avLst/>
-          </a:prstGeom>
-          <a:noFill/>
-          <a:ln w="9525">
-            <a:noFill/>
-            <a:miter lim="800000"/>
-            <a:headEnd/>
-            <a:tailEnd/>
-          </a:ln>
-          <a:effectLst/>
-        </p:spPr>
-      </p:pic>
-      <p:pic>
-        <p:nvPicPr>
-          <p:cNvPr id="19" name="Picture 4"/>
-          <p:cNvPicPr>
-            <a:picLocks noChangeAspect="1" noChangeArrowheads="1"/>
-          </p:cNvPicPr>
-          <p:nvPr/>
-        </p:nvPicPr>
-        <p:blipFill>
-          <a:blip r:embed="rId9" cstate="print"/>
-          <a:srcRect/>
-          <a:stretch>
-            <a:fillRect/>
-          </a:stretch>
-        </p:blipFill>
-        <p:spPr bwMode="auto">
-          <a:xfrm>
-            <a:off x="5292080" y="5085184"/>
-            <a:ext cx="2199518" cy="1512168"/>
-          </a:xfrm>
-          <a:prstGeom prst="rect">
-            <a:avLst/>
-          </a:prstGeom>
-          <a:noFill/>
-          <a:ln w="9525">
-            <a:noFill/>
-            <a:miter lim="800000"/>
-            <a:headEnd/>
-            <a:tailEnd/>
-          </a:ln>
-          <a:effectLst/>
-        </p:spPr>
-      </p:pic>
-      <p:sp>
-        <p:nvSpPr>
-          <p:cNvPr id="23" name="Rectangle 3"/>
-          <p:cNvSpPr>
-            <a:spLocks noChangeArrowheads="1"/>
-          </p:cNvSpPr>
-          <p:nvPr/>
-        </p:nvSpPr>
-        <p:spPr bwMode="auto">
-          <a:xfrm>
-            <a:off x="4211960" y="5517232"/>
-            <a:ext cx="1367136" cy="523220"/>
-          </a:xfrm>
-          <a:prstGeom prst="rect">
-            <a:avLst/>
-          </a:prstGeom>
-          <a:noFill/>
-          <a:ln w="9525">
-            <a:noFill/>
-            <a:miter lim="800000"/>
-            <a:headEnd/>
-            <a:tailEnd/>
-          </a:ln>
-          <a:effectLst/>
-        </p:spPr>
-        <p:txBody>
-          <a:bodyPr vert="horz" wrap="square" lIns="91440" tIns="45720" rIns="91440" bIns="45720" numCol="1" anchor="ctr" anchorCtr="0" compatLnSpc="1">
-            <a:prstTxWarp prst="textNoShape">
-              <a:avLst/>
-            </a:prstTxWarp>
-            <a:spAutoFit/>
-          </a:bodyPr>
-          <a:lstStyle/>
-          <a:p>
-            <a:pPr marL="0" marR="0" lvl="0" indent="0" algn="l" defTabSz="914400" rtl="0" eaLnBrk="1" fontAlgn="base" latinLnBrk="0" hangingPunct="1">
-              <a:lnSpc>
-                <a:spcPct val="100000"/>
-              </a:lnSpc>
-              <a:spcBef>
-                <a:spcPct val="0"/>
-              </a:spcBef>
-              <a:spcAft>
-                <a:spcPct val="0"/>
-              </a:spcAft>
-              <a:buClrTx/>
-              <a:buSzTx/>
-              <a:buFontTx/>
-              <a:buNone/>
-              <a:tabLst/>
-            </a:pPr>
-            <a:r>
-              <a:rPr kumimoji="1" lang="en-US" altLang="ja-JP" sz="1000" b="0" i="0" u="none" strike="noStrike" cap="none" normalizeH="0" baseline="0" dirty="0" smtClean="0">
-                <a:ln>
-                  <a:noFill/>
-                </a:ln>
-                <a:solidFill>
-                  <a:schemeClr val="tx1"/>
-                </a:solidFill>
-                <a:effectLst/>
-                <a:latin typeface="Arial Unicode MS" pitchFamily="50" charset="-128"/>
-                <a:ea typeface="ＭＳ Ｐゴシック" pitchFamily="50" charset="-128"/>
-                <a:cs typeface="ＭＳ Ｐゴシック" pitchFamily="50" charset="-128"/>
-              </a:rPr>
-              <a:t>7  </a:t>
-            </a:r>
-            <a:r>
-              <a:rPr kumimoji="1" lang="ja-JP" altLang="ja-JP" sz="1000" b="0" i="0" u="none" strike="noStrike" cap="none" normalizeH="0" baseline="0" dirty="0" smtClean="0">
-                <a:ln>
-                  <a:noFill/>
-                </a:ln>
-                <a:solidFill>
-                  <a:schemeClr val="tx1"/>
-                </a:solidFill>
-                <a:effectLst/>
-                <a:latin typeface="Arial Unicode MS" pitchFamily="50" charset="-128"/>
-                <a:ea typeface="ＭＳ Ｐゴシック" pitchFamily="50" charset="-128"/>
-                <a:cs typeface="ＭＳ Ｐゴシック" pitchFamily="50" charset="-128"/>
-              </a:rPr>
-              <a:t>ne= 89744 </a:t>
-            </a:r>
-            <a:endParaRPr kumimoji="1" lang="ja-JP" altLang="ja-JP" sz="600" b="0" i="0" u="none" strike="noStrike" cap="none" normalizeH="0" baseline="0" dirty="0" smtClean="0">
-              <a:ln>
-                <a:noFill/>
-              </a:ln>
-              <a:solidFill>
-                <a:schemeClr val="tx1"/>
-              </a:solidFill>
-              <a:effectLst/>
-              <a:latin typeface="Arial" pitchFamily="34" charset="0"/>
-              <a:ea typeface="ＭＳ Ｐゴシック" pitchFamily="50" charset="-128"/>
-              <a:cs typeface="ＭＳ Ｐゴシック" pitchFamily="50" charset="-128"/>
-            </a:endParaRPr>
-          </a:p>
-          <a:p>
-            <a:pPr marL="0" marR="0" lvl="0" indent="0" algn="l" defTabSz="914400" rtl="0" eaLnBrk="0" fontAlgn="base" latinLnBrk="0" hangingPunct="0">
-              <a:lnSpc>
-                <a:spcPct val="100000"/>
-              </a:lnSpc>
-              <a:spcBef>
-                <a:spcPct val="0"/>
-              </a:spcBef>
-              <a:spcAft>
-                <a:spcPct val="0"/>
-              </a:spcAft>
-              <a:buClrTx/>
-              <a:buSzTx/>
-              <a:buFontTx/>
-              <a:buNone/>
-              <a:tabLst/>
-            </a:pPr>
-            <a:endParaRPr kumimoji="1" lang="ja-JP" altLang="ja-JP" sz="1800" b="0" i="0" u="none" strike="noStrike" cap="none" normalizeH="0" baseline="0" dirty="0" smtClean="0">
-              <a:ln>
-                <a:noFill/>
-              </a:ln>
-              <a:solidFill>
-                <a:schemeClr val="tx1"/>
-              </a:solidFill>
-              <a:effectLst/>
-              <a:latin typeface="Arial" pitchFamily="34" charset="0"/>
-              <a:ea typeface="ＭＳ Ｐゴシック" pitchFamily="50" charset="-128"/>
-              <a:cs typeface="ＭＳ Ｐゴシック" pitchFamily="50" charset="-128"/>
-            </a:endParaRPr>
-          </a:p>
-        </p:txBody>
-      </p:sp>
     </p:spTree>
   </p:cSld>
   <p:clrMapOvr>
@@ -5015,16 +3998,14 @@
       </p:grpSpPr>
       <p:pic>
         <p:nvPicPr>
-          <p:cNvPr id="7170" name="Picture 2"/>
+          <p:cNvPr id="25602" name="Picture 2"/>
           <p:cNvPicPr>
-            <a:picLocks noGrp="1" noChangeAspect="1" noChangeArrowheads="1"/>
+            <a:picLocks noChangeAspect="1" noChangeArrowheads="1"/>
           </p:cNvPicPr>
-          <p:nvPr>
-            <p:ph idx="1"/>
-          </p:nvPr>
+          <p:nvPr/>
         </p:nvPicPr>
         <p:blipFill>
-          <a:blip r:embed="rId3" cstate="print"/>
+          <a:blip r:embed="rId2" cstate="print"/>
           <a:srcRect/>
           <a:stretch>
             <a:fillRect/>
@@ -5032,8 +4013,8 @@
         </p:blipFill>
         <p:spPr bwMode="auto">
           <a:xfrm>
-            <a:off x="1187624" y="1268760"/>
-            <a:ext cx="6887537" cy="4239217"/>
+            <a:off x="395536" y="980728"/>
+            <a:ext cx="3810619" cy="2554089"/>
           </a:xfrm>
           <a:prstGeom prst="rect">
             <a:avLst/>
@@ -5048,53 +4029,234 @@
           <a:effectLst/>
         </p:spPr>
       </p:pic>
-      <p:graphicFrame>
-        <p:nvGraphicFramePr>
-          <p:cNvPr id="7171" name="Object 3"/>
-          <p:cNvGraphicFramePr>
-            <a:graphicFrameLocks noChangeAspect="1"/>
-          </p:cNvGraphicFramePr>
+      <p:pic>
+        <p:nvPicPr>
+          <p:cNvPr id="25603" name="Picture 3"/>
+          <p:cNvPicPr>
+            <a:picLocks noChangeAspect="1" noChangeArrowheads="1"/>
+          </p:cNvPicPr>
           <p:nvPr/>
-        </p:nvGraphicFramePr>
-        <p:xfrm>
-          <a:off x="971600" y="692696"/>
-          <a:ext cx="4356108" cy="576064"/>
-        </p:xfrm>
-        <a:graphic>
-          <a:graphicData uri="http://schemas.openxmlformats.org/presentationml/2006/ole">
-            <p:oleObj spid="_x0000_s7171" name="Equation" r:id="rId4" imgW="1346040" imgH="177480" progId="Equation.DSMT4">
-              <p:embed/>
-            </p:oleObj>
-          </a:graphicData>
-        </a:graphic>
-      </p:graphicFrame>
-      <p:sp>
-        <p:nvSpPr>
-          <p:cNvPr id="6" name="テキスト ボックス 5"/>
-          <p:cNvSpPr txBox="1"/>
-          <p:nvPr/>
-        </p:nvSpPr>
-        <p:spPr>
+        </p:nvPicPr>
+        <p:blipFill>
+          <a:blip r:embed="rId3" cstate="print"/>
+          <a:srcRect/>
+          <a:stretch>
+            <a:fillRect/>
+          </a:stretch>
+        </p:blipFill>
+        <p:spPr bwMode="auto">
           <a:xfrm>
-            <a:off x="5148064" y="1556792"/>
-            <a:ext cx="2736304" cy="369332"/>
+            <a:off x="4139952" y="3068960"/>
+            <a:ext cx="4470822" cy="3116715"/>
           </a:xfrm>
           <a:prstGeom prst="rect">
             <a:avLst/>
           </a:prstGeom>
           <a:noFill/>
+          <a:ln w="9525">
+            <a:noFill/>
+            <a:miter lim="800000"/>
+            <a:headEnd/>
+            <a:tailEnd/>
+          </a:ln>
+          <a:effectLst/>
         </p:spPr>
-        <p:txBody>
-          <a:bodyPr wrap="square" rtlCol="0">
+      </p:pic>
+      <p:sp>
+        <p:nvSpPr>
+          <p:cNvPr id="6" name="Rectangle 3"/>
+          <p:cNvSpPr>
+            <a:spLocks noChangeArrowheads="1"/>
+          </p:cNvSpPr>
+          <p:nvPr/>
+        </p:nvSpPr>
+        <p:spPr bwMode="auto">
+          <a:xfrm>
+            <a:off x="251520" y="661919"/>
+            <a:ext cx="1296144" cy="307777"/>
+          </a:xfrm>
+          <a:prstGeom prst="rect">
+            <a:avLst/>
+          </a:prstGeom>
+          <a:noFill/>
+          <a:ln w="9525">
+            <a:noFill/>
+            <a:miter lim="800000"/>
+            <a:headEnd/>
+            <a:tailEnd/>
+          </a:ln>
+          <a:effectLst/>
+        </p:spPr>
+        <p:txBody>
+          <a:bodyPr vert="horz" wrap="square" lIns="91440" tIns="45720" rIns="91440" bIns="45720" numCol="1" anchor="ctr" anchorCtr="0" compatLnSpc="1">
+            <a:prstTxWarp prst="textNoShape">
+              <a:avLst/>
+            </a:prstTxWarp>
             <a:spAutoFit/>
           </a:bodyPr>
           <a:lstStyle/>
           <a:p>
-            <a:r>
-              <a:rPr kumimoji="1" lang="en-US" altLang="ja-JP" dirty="0" smtClean="0"/>
-              <a:t>Kelvin external region</a:t>
-            </a:r>
-            <a:endParaRPr kumimoji="1" lang="ja-JP" altLang="en-US" dirty="0"/>
+            <a:pPr marL="0" marR="0" lvl="0" indent="0" algn="l" defTabSz="914400" rtl="0" eaLnBrk="1" fontAlgn="base" latinLnBrk="0" hangingPunct="1">
+              <a:lnSpc>
+                <a:spcPct val="100000"/>
+              </a:lnSpc>
+              <a:spcBef>
+                <a:spcPct val="0"/>
+              </a:spcBef>
+              <a:spcAft>
+                <a:spcPct val="0"/>
+              </a:spcAft>
+              <a:buClrTx/>
+              <a:buSzTx/>
+              <a:buFontTx/>
+              <a:buNone/>
+              <a:tabLst/>
+            </a:pPr>
+            <a:r>
+              <a:rPr kumimoji="1" lang="ja-JP" altLang="ja-JP" sz="1400" b="0" i="0" u="none" strike="noStrike" cap="none" normalizeH="0" baseline="0" dirty="0" smtClean="0">
+                <a:ln>
+                  <a:noFill/>
+                </a:ln>
+                <a:solidFill>
+                  <a:schemeClr val="tx1"/>
+                </a:solidFill>
+                <a:effectLst/>
+                <a:latin typeface="Arial Unicode MS" pitchFamily="50" charset="-128"/>
+                <a:ea typeface="ＭＳ Ｐゴシック" pitchFamily="50" charset="-128"/>
+                <a:cs typeface="ＭＳ Ｐゴシック" pitchFamily="50" charset="-128"/>
+              </a:rPr>
+              <a:t>ne= 2116</a:t>
+            </a:r>
+            <a:r>
+              <a:rPr kumimoji="1" lang="ja-JP" altLang="ja-JP" sz="1000" b="0" i="0" u="none" strike="noStrike" cap="none" normalizeH="0" baseline="0" dirty="0" smtClean="0">
+                <a:ln>
+                  <a:noFill/>
+                </a:ln>
+                <a:solidFill>
+                  <a:schemeClr val="tx1"/>
+                </a:solidFill>
+                <a:effectLst/>
+                <a:latin typeface="Arial" pitchFamily="34" charset="0"/>
+                <a:ea typeface="ＭＳ Ｐゴシック" pitchFamily="50" charset="-128"/>
+                <a:cs typeface="ＭＳ Ｐゴシック" pitchFamily="50" charset="-128"/>
+              </a:rPr>
+              <a:t> </a:t>
+            </a:r>
+            <a:endParaRPr kumimoji="1" lang="ja-JP" altLang="ja-JP" sz="3200" b="0" i="0" u="none" strike="noStrike" cap="none" normalizeH="0" baseline="0" dirty="0" smtClean="0">
+              <a:ln>
+                <a:noFill/>
+              </a:ln>
+              <a:solidFill>
+                <a:schemeClr val="tx1"/>
+              </a:solidFill>
+              <a:effectLst/>
+              <a:latin typeface="Arial" pitchFamily="34" charset="0"/>
+              <a:ea typeface="ＭＳ Ｐゴシック" pitchFamily="50" charset="-128"/>
+              <a:cs typeface="ＭＳ Ｐゴシック" pitchFamily="50" charset="-128"/>
+            </a:endParaRPr>
+          </a:p>
+        </p:txBody>
+      </p:sp>
+      <p:sp>
+        <p:nvSpPr>
+          <p:cNvPr id="7" name="Rectangle 3"/>
+          <p:cNvSpPr>
+            <a:spLocks noChangeArrowheads="1"/>
+          </p:cNvSpPr>
+          <p:nvPr/>
+        </p:nvSpPr>
+        <p:spPr bwMode="auto">
+          <a:xfrm>
+            <a:off x="5580112" y="2564904"/>
+            <a:ext cx="1368152" cy="307777"/>
+          </a:xfrm>
+          <a:prstGeom prst="rect">
+            <a:avLst/>
+          </a:prstGeom>
+          <a:noFill/>
+          <a:ln w="9525">
+            <a:noFill/>
+            <a:miter lim="800000"/>
+            <a:headEnd/>
+            <a:tailEnd/>
+          </a:ln>
+          <a:effectLst/>
+        </p:spPr>
+        <p:txBody>
+          <a:bodyPr vert="horz" wrap="square" lIns="91440" tIns="45720" rIns="91440" bIns="45720" numCol="1" anchor="ctr" anchorCtr="0" compatLnSpc="1">
+            <a:prstTxWarp prst="textNoShape">
+              <a:avLst/>
+            </a:prstTxWarp>
+            <a:spAutoFit/>
+          </a:bodyPr>
+          <a:lstStyle/>
+          <a:p>
+            <a:pPr marL="0" marR="0" lvl="0" indent="0" algn="l" defTabSz="914400" rtl="0" eaLnBrk="1" fontAlgn="base" latinLnBrk="0" hangingPunct="1">
+              <a:lnSpc>
+                <a:spcPct val="100000"/>
+              </a:lnSpc>
+              <a:spcBef>
+                <a:spcPct val="0"/>
+              </a:spcBef>
+              <a:spcAft>
+                <a:spcPct val="0"/>
+              </a:spcAft>
+              <a:buClrTx/>
+              <a:buSzTx/>
+              <a:buFontTx/>
+              <a:buNone/>
+              <a:tabLst/>
+            </a:pPr>
+            <a:r>
+              <a:rPr kumimoji="1" lang="ja-JP" altLang="ja-JP" sz="1400" b="0" i="0" u="none" strike="noStrike" cap="none" normalizeH="0" baseline="0" dirty="0" smtClean="0">
+                <a:ln>
+                  <a:noFill/>
+                </a:ln>
+                <a:solidFill>
+                  <a:schemeClr val="tx1"/>
+                </a:solidFill>
+                <a:effectLst/>
+                <a:latin typeface="Arial Unicode MS" pitchFamily="50" charset="-128"/>
+                <a:ea typeface="ＭＳ Ｐゴシック" pitchFamily="50" charset="-128"/>
+                <a:cs typeface="ＭＳ Ｐゴシック" pitchFamily="50" charset="-128"/>
+              </a:rPr>
+              <a:t>ne= </a:t>
+            </a:r>
+            <a:r>
+              <a:rPr lang="en-US" altLang="ja-JP" sz="1400" dirty="0" smtClean="0">
+                <a:latin typeface="Arial Unicode MS" pitchFamily="50" charset="-128"/>
+                <a:ea typeface="ＭＳ Ｐゴシック" pitchFamily="50" charset="-128"/>
+                <a:cs typeface="ＭＳ Ｐゴシック" pitchFamily="50" charset="-128"/>
+              </a:rPr>
+              <a:t>39968</a:t>
+            </a:r>
+            <a:r>
+              <a:rPr kumimoji="1" lang="ja-JP" altLang="ja-JP" sz="1400" b="0" i="0" u="none" strike="noStrike" cap="none" normalizeH="0" baseline="0" dirty="0" smtClean="0">
+                <a:ln>
+                  <a:noFill/>
+                </a:ln>
+                <a:solidFill>
+                  <a:schemeClr val="tx1"/>
+                </a:solidFill>
+                <a:effectLst/>
+                <a:latin typeface="Arial Unicode MS" pitchFamily="50" charset="-128"/>
+                <a:ea typeface="ＭＳ Ｐゴシック" pitchFamily="50" charset="-128"/>
+                <a:cs typeface="ＭＳ Ｐゴシック" pitchFamily="50" charset="-128"/>
+              </a:rPr>
+              <a:t> </a:t>
+            </a:r>
+            <a:endParaRPr kumimoji="1" lang="ja-JP" altLang="ja-JP" sz="1400" b="0" i="0" u="none" strike="noStrike" cap="none" normalizeH="0" baseline="0" dirty="0" smtClean="0">
+              <a:ln>
+                <a:noFill/>
+              </a:ln>
+              <a:solidFill>
+                <a:schemeClr val="tx1"/>
+              </a:solidFill>
+              <a:effectLst/>
+              <a:latin typeface="Arial" pitchFamily="34" charset="0"/>
+              <a:ea typeface="ＭＳ Ｐゴシック" pitchFamily="50" charset="-128"/>
+              <a:cs typeface="ＭＳ Ｐゴシック" pitchFamily="50" charset="-128"/>
+            </a:endParaRPr>
           </a:p>
         </p:txBody>
       </p:sp>
@@ -5123,38 +4285,13 @@
           <a:chExt cx="0" cy="0"/>
         </a:xfrm>
       </p:grpSpPr>
-      <p:sp>
-        <p:nvSpPr>
-          <p:cNvPr id="2" name="タイトル 1"/>
-          <p:cNvSpPr>
-            <a:spLocks noGrp="1"/>
-          </p:cNvSpPr>
-          <p:nvPr>
-            <p:ph type="title"/>
-          </p:nvPr>
-        </p:nvSpPr>
-        <p:spPr/>
-        <p:txBody>
-          <a:bodyPr/>
-          <a:lstStyle/>
-          <a:p>
-            <a:r>
-              <a:rPr kumimoji="1" lang="ja-JP" altLang="en-US" dirty="0" smtClean="0"/>
-              <a:t>積分量の要素数依存性</a:t>
-            </a:r>
-            <a:endParaRPr kumimoji="1" lang="ja-JP" altLang="en-US" dirty="0"/>
-          </a:p>
-        </p:txBody>
-      </p:sp>
       <p:pic>
         <p:nvPicPr>
-          <p:cNvPr id="8194" name="Picture 2"/>
+          <p:cNvPr id="7172" name="Picture 4"/>
           <p:cNvPicPr>
-            <a:picLocks noGrp="1" noChangeAspect="1" noChangeArrowheads="1"/>
+            <a:picLocks noChangeAspect="1" noChangeArrowheads="1"/>
           </p:cNvPicPr>
-          <p:nvPr>
-            <p:ph idx="1"/>
-          </p:nvPr>
+          <p:nvPr/>
         </p:nvPicPr>
         <p:blipFill>
           <a:blip r:embed="rId2" cstate="print"/>
@@ -5165,8 +4302,282 @@
         </p:blipFill>
         <p:spPr bwMode="auto">
           <a:xfrm>
+            <a:off x="1691680" y="1124744"/>
+            <a:ext cx="6336704" cy="3616153"/>
+          </a:xfrm>
+          <a:prstGeom prst="rect">
+            <a:avLst/>
+          </a:prstGeom>
+          <a:noFill/>
+          <a:ln w="9525">
+            <a:noFill/>
+            <a:miter lim="800000"/>
+            <a:headEnd/>
+            <a:tailEnd/>
+          </a:ln>
+          <a:effectLst/>
+        </p:spPr>
+      </p:pic>
+      <p:sp>
+        <p:nvSpPr>
+          <p:cNvPr id="6" name="テキスト ボックス 5"/>
+          <p:cNvSpPr txBox="1"/>
+          <p:nvPr/>
+        </p:nvSpPr>
+        <p:spPr>
+          <a:xfrm>
+            <a:off x="5652120" y="1484784"/>
+            <a:ext cx="2736304" cy="369332"/>
+          </a:xfrm>
+          <a:prstGeom prst="rect">
+            <a:avLst/>
+          </a:prstGeom>
+          <a:noFill/>
+        </p:spPr>
+        <p:txBody>
+          <a:bodyPr wrap="square" rtlCol="0">
+            <a:spAutoFit/>
+          </a:bodyPr>
+          <a:lstStyle/>
+          <a:p>
+            <a:r>
+              <a:rPr kumimoji="1" lang="en-US" altLang="ja-JP" dirty="0" smtClean="0"/>
+              <a:t>Kelvin external region</a:t>
+            </a:r>
+            <a:endParaRPr kumimoji="1" lang="ja-JP" altLang="en-US" dirty="0"/>
+          </a:p>
+        </p:txBody>
+      </p:sp>
+      <p:sp>
+        <p:nvSpPr>
+          <p:cNvPr id="4" name="テキスト ボックス 3"/>
+          <p:cNvSpPr txBox="1"/>
+          <p:nvPr/>
+        </p:nvSpPr>
+        <p:spPr>
+          <a:xfrm>
+            <a:off x="1403648" y="404664"/>
+            <a:ext cx="3960440" cy="646331"/>
+          </a:xfrm>
+          <a:prstGeom prst="rect">
+            <a:avLst/>
+          </a:prstGeom>
+          <a:noFill/>
+        </p:spPr>
+        <p:txBody>
+          <a:bodyPr wrap="square" rtlCol="0">
+            <a:spAutoFit/>
+          </a:bodyPr>
+          <a:lstStyle/>
+          <a:p>
+            <a:r>
+              <a:rPr kumimoji="1" lang="en-US" altLang="ja-JP" sz="3600" dirty="0" smtClean="0"/>
+              <a:t>Magnetic Field </a:t>
+            </a:r>
+            <a:endParaRPr kumimoji="1" lang="ja-JP" altLang="en-US" sz="3600" dirty="0"/>
+          </a:p>
+        </p:txBody>
+      </p:sp>
+      <p:sp>
+        <p:nvSpPr>
+          <p:cNvPr id="7" name="テキスト ボックス 6"/>
+          <p:cNvSpPr txBox="1"/>
+          <p:nvPr/>
+        </p:nvSpPr>
+        <p:spPr>
+          <a:xfrm>
             <a:off x="467544" y="2204864"/>
-            <a:ext cx="4182218" cy="2962913"/>
+            <a:ext cx="1152128" cy="369332"/>
+          </a:xfrm>
+          <a:prstGeom prst="rect">
+            <a:avLst/>
+          </a:prstGeom>
+          <a:noFill/>
+        </p:spPr>
+        <p:txBody>
+          <a:bodyPr wrap="square" rtlCol="0">
+            <a:spAutoFit/>
+          </a:bodyPr>
+          <a:lstStyle/>
+          <a:p>
+            <a:r>
+              <a:rPr kumimoji="1" lang="en-US" altLang="ja-JP" dirty="0" smtClean="0"/>
+              <a:t>Real part</a:t>
+            </a:r>
+            <a:endParaRPr kumimoji="1" lang="ja-JP" altLang="en-US" dirty="0"/>
+          </a:p>
+        </p:txBody>
+      </p:sp>
+      <p:pic>
+        <p:nvPicPr>
+          <p:cNvPr id="2050" name="Picture 2"/>
+          <p:cNvPicPr>
+            <a:picLocks noChangeAspect="1" noChangeArrowheads="1"/>
+          </p:cNvPicPr>
+          <p:nvPr/>
+        </p:nvPicPr>
+        <p:blipFill>
+          <a:blip r:embed="rId3" cstate="print"/>
+          <a:srcRect/>
+          <a:stretch>
+            <a:fillRect/>
+          </a:stretch>
+        </p:blipFill>
+        <p:spPr bwMode="auto">
+          <a:xfrm>
+            <a:off x="1763688" y="3933205"/>
+            <a:ext cx="2882407" cy="2924795"/>
+          </a:xfrm>
+          <a:prstGeom prst="rect">
+            <a:avLst/>
+          </a:prstGeom>
+          <a:noFill/>
+          <a:ln w="9525">
+            <a:noFill/>
+            <a:miter lim="800000"/>
+            <a:headEnd/>
+            <a:tailEnd/>
+          </a:ln>
+          <a:effectLst/>
+        </p:spPr>
+      </p:pic>
+      <p:sp>
+        <p:nvSpPr>
+          <p:cNvPr id="8" name="テキスト ボックス 7"/>
+          <p:cNvSpPr txBox="1"/>
+          <p:nvPr/>
+        </p:nvSpPr>
+        <p:spPr>
+          <a:xfrm>
+            <a:off x="539552" y="5013176"/>
+            <a:ext cx="1152128" cy="646331"/>
+          </a:xfrm>
+          <a:prstGeom prst="rect">
+            <a:avLst/>
+          </a:prstGeom>
+          <a:noFill/>
+        </p:spPr>
+        <p:txBody>
+          <a:bodyPr wrap="square" rtlCol="0">
+            <a:spAutoFit/>
+          </a:bodyPr>
+          <a:lstStyle/>
+          <a:p>
+            <a:r>
+              <a:rPr lang="en-US" altLang="ja-JP" dirty="0" smtClean="0"/>
+              <a:t>Imaginary</a:t>
+            </a:r>
+            <a:r>
+              <a:rPr kumimoji="1" lang="en-US" altLang="ja-JP" dirty="0" smtClean="0"/>
+              <a:t> part</a:t>
+            </a:r>
+            <a:endParaRPr kumimoji="1" lang="ja-JP" altLang="en-US" dirty="0"/>
+          </a:p>
+        </p:txBody>
+      </p:sp>
+      <p:sp>
+        <p:nvSpPr>
+          <p:cNvPr id="5" name="正方形/長方形 4"/>
+          <p:cNvSpPr/>
+          <p:nvPr/>
+        </p:nvSpPr>
+        <p:spPr>
+          <a:xfrm>
+            <a:off x="5004048" y="908720"/>
+            <a:ext cx="1551900" cy="369332"/>
+          </a:xfrm>
+          <a:prstGeom prst="rect">
+            <a:avLst/>
+          </a:prstGeom>
+        </p:spPr>
+        <p:txBody>
+          <a:bodyPr wrap="none">
+            <a:spAutoFit/>
+          </a:bodyPr>
+          <a:lstStyle/>
+          <a:p>
+            <a:r>
+              <a:rPr lang="en-US" altLang="ja-JP" dirty="0" smtClean="0"/>
+              <a:t>at plate center</a:t>
+            </a:r>
+            <a:endParaRPr lang="ja-JP" altLang="en-US" dirty="0"/>
+          </a:p>
+        </p:txBody>
+      </p:sp>
+    </p:spTree>
+  </p:cSld>
+  <p:clrMapOvr>
+    <a:masterClrMapping/>
+  </p:clrMapOvr>
+</p:sld>
+</file>
+
+<file path=ppt/slides/slide7.xml><?xml version="1.0" encoding="utf-8"?>
+<p:sld xmlns:a="http://schemas.openxmlformats.org/drawingml/2006/main" xmlns:r="http://schemas.openxmlformats.org/officeDocument/2006/relationships" xmlns:p="http://schemas.openxmlformats.org/presentationml/2006/main">
+  <p:cSld>
+    <p:spTree>
+      <p:nvGrpSpPr>
+        <p:cNvPr id="1" name=""/>
+        <p:cNvGrpSpPr/>
+        <p:nvPr/>
+      </p:nvGrpSpPr>
+      <p:grpSpPr>
+        <a:xfrm>
+          <a:off x="0" y="0"/>
+          <a:ext cx="0" cy="0"/>
+          <a:chOff x="0" y="0"/>
+          <a:chExt cx="0" cy="0"/>
+        </a:xfrm>
+      </p:grpSpPr>
+      <p:sp>
+        <p:nvSpPr>
+          <p:cNvPr id="2" name="タイトル 1"/>
+          <p:cNvSpPr>
+            <a:spLocks noGrp="1"/>
+          </p:cNvSpPr>
+          <p:nvPr>
+            <p:ph type="title"/>
+          </p:nvPr>
+        </p:nvSpPr>
+        <p:spPr/>
+        <p:txBody>
+          <a:bodyPr>
+            <a:normAutofit fontScale="90000"/>
+          </a:bodyPr>
+          <a:lstStyle/>
+          <a:p>
+            <a:r>
+              <a:rPr kumimoji="1" lang="en-US" altLang="ja-JP" dirty="0" smtClean="0"/>
+              <a:t>Eddy current</a:t>
+            </a:r>
+            <a:br>
+              <a:rPr kumimoji="1" lang="en-US" altLang="ja-JP" dirty="0" smtClean="0"/>
+            </a:br>
+            <a:endParaRPr kumimoji="1" lang="ja-JP" altLang="en-US" dirty="0"/>
+          </a:p>
+        </p:txBody>
+      </p:sp>
+      <p:pic>
+        <p:nvPicPr>
+          <p:cNvPr id="1026" name="Picture 2"/>
+          <p:cNvPicPr>
+            <a:picLocks noGrp="1" noChangeAspect="1" noChangeArrowheads="1"/>
+          </p:cNvPicPr>
+          <p:nvPr>
+            <p:ph idx="1"/>
+          </p:nvPr>
+        </p:nvPicPr>
+        <p:blipFill>
+          <a:blip r:embed="rId2" cstate="print"/>
+          <a:srcRect/>
+          <a:stretch>
+            <a:fillRect/>
+          </a:stretch>
+        </p:blipFill>
+        <p:spPr bwMode="auto">
+          <a:xfrm>
+            <a:off x="683568" y="1412776"/>
+            <a:ext cx="4048160" cy="4402698"/>
           </a:xfrm>
           <a:prstGeom prst="rect">
             <a:avLst/>
@@ -5183,7 +4594,7 @@
       </p:pic>
       <p:pic>
         <p:nvPicPr>
-          <p:cNvPr id="8195" name="Picture 3"/>
+          <p:cNvPr id="1027" name="Picture 3"/>
           <p:cNvPicPr>
             <a:picLocks noChangeAspect="1" noChangeArrowheads="1"/>
           </p:cNvPicPr>
@@ -5198,8 +4609,8 @@
         </p:blipFill>
         <p:spPr bwMode="auto">
           <a:xfrm>
-            <a:off x="4572000" y="2348880"/>
-            <a:ext cx="4339359" cy="2736304"/>
+            <a:off x="5004048" y="2204864"/>
+            <a:ext cx="3657774" cy="3607667"/>
           </a:xfrm>
           <a:prstGeom prst="rect">
             <a:avLst/>
@@ -5222,8 +4633,8 @@
         </p:nvSpPr>
         <p:spPr>
           <a:xfrm>
-            <a:off x="1475656" y="1772816"/>
-            <a:ext cx="1224136" cy="369332"/>
+            <a:off x="2123728" y="5949280"/>
+            <a:ext cx="1152128" cy="369332"/>
           </a:xfrm>
           <a:prstGeom prst="rect">
             <a:avLst/>
@@ -5237,12 +4648,8 @@
           <a:lstStyle/>
           <a:p>
             <a:r>
-              <a:rPr lang="en-US" altLang="ja-JP" dirty="0" smtClean="0"/>
-              <a:t>Joule</a:t>
-            </a:r>
-            <a:r>
-              <a:rPr lang="ja-JP" altLang="en-US" dirty="0"/>
-              <a:t>損</a:t>
+              <a:rPr kumimoji="1" lang="en-US" altLang="ja-JP" dirty="0" smtClean="0"/>
+              <a:t>Real part</a:t>
             </a:r>
             <a:endParaRPr kumimoji="1" lang="ja-JP" altLang="en-US" dirty="0"/>
           </a:p>
@@ -5256,8 +4663,8 @@
         </p:nvSpPr>
         <p:spPr>
           <a:xfrm>
-            <a:off x="5148064" y="1772816"/>
-            <a:ext cx="3312368" cy="369332"/>
+            <a:off x="6084168" y="5949280"/>
+            <a:ext cx="1656184" cy="369332"/>
           </a:xfrm>
           <a:prstGeom prst="rect">
             <a:avLst/>
@@ -5271,10 +4678,43 @@
           <a:lstStyle/>
           <a:p>
             <a:r>
-              <a:rPr lang="ja-JP" altLang="en-US" dirty="0" smtClean="0"/>
-              <a:t>導体中の磁気エネルギ</a:t>
+              <a:rPr lang="en-US" altLang="ja-JP" dirty="0" smtClean="0"/>
+              <a:t>Imaginary</a:t>
+            </a:r>
+            <a:r>
+              <a:rPr kumimoji="1" lang="en-US" altLang="ja-JP" dirty="0" smtClean="0"/>
+              <a:t> part</a:t>
             </a:r>
             <a:endParaRPr kumimoji="1" lang="ja-JP" altLang="en-US" dirty="0"/>
+          </a:p>
+        </p:txBody>
+      </p:sp>
+      <p:sp>
+        <p:nvSpPr>
+          <p:cNvPr id="8" name="正方形/長方形 7"/>
+          <p:cNvSpPr/>
+          <p:nvPr/>
+        </p:nvSpPr>
+        <p:spPr>
+          <a:xfrm>
+            <a:off x="7020272" y="1772816"/>
+            <a:ext cx="1551900" cy="369332"/>
+          </a:xfrm>
+          <a:prstGeom prst="rect">
+            <a:avLst/>
+          </a:prstGeom>
+        </p:spPr>
+        <p:txBody>
+          <a:bodyPr wrap="none">
+            <a:spAutoFit/>
+          </a:bodyPr>
+          <a:lstStyle/>
+          <a:p>
+            <a:r>
+              <a:rPr lang="en-US" altLang="ja-JP" dirty="0" smtClean="0"/>
+              <a:t>at plate center</a:t>
+            </a:r>
+            <a:endParaRPr lang="ja-JP" altLang="en-US" dirty="0"/>
           </a:p>
         </p:txBody>
       </p:sp>
